--- a/Documents/OOP project presentatie.pptx
+++ b/Documents/OOP project presentatie.pptx
@@ -5,35 +5,23 @@
     <p:sldMasterId id="2147483649" r:id="rId1"/>
   </p:sldMasterIdLst>
   <p:notesMasterIdLst>
-    <p:notesMasterId r:id="rId25"/>
+    <p:notesMasterId r:id="rId13"/>
   </p:notesMasterIdLst>
   <p:handoutMasterIdLst>
-    <p:handoutMasterId r:id="rId26"/>
+    <p:handoutMasterId r:id="rId14"/>
   </p:handoutMasterIdLst>
   <p:sldIdLst>
     <p:sldId id="377" r:id="rId2"/>
-    <p:sldId id="378" r:id="rId3"/>
-    <p:sldId id="379" r:id="rId4"/>
-    <p:sldId id="380" r:id="rId5"/>
-    <p:sldId id="381" r:id="rId6"/>
-    <p:sldId id="393" r:id="rId7"/>
-    <p:sldId id="383" r:id="rId8"/>
-    <p:sldId id="384" r:id="rId9"/>
-    <p:sldId id="385" r:id="rId10"/>
-    <p:sldId id="386" r:id="rId11"/>
-    <p:sldId id="387" r:id="rId12"/>
-    <p:sldId id="388" r:id="rId13"/>
-    <p:sldId id="389" r:id="rId14"/>
-    <p:sldId id="390" r:id="rId15"/>
-    <p:sldId id="391" r:id="rId16"/>
-    <p:sldId id="400" r:id="rId17"/>
-    <p:sldId id="396" r:id="rId18"/>
-    <p:sldId id="397" r:id="rId19"/>
-    <p:sldId id="398" r:id="rId20"/>
-    <p:sldId id="399" r:id="rId21"/>
-    <p:sldId id="401" r:id="rId22"/>
-    <p:sldId id="402" r:id="rId23"/>
-    <p:sldId id="394" r:id="rId24"/>
+    <p:sldId id="380" r:id="rId3"/>
+    <p:sldId id="400" r:id="rId4"/>
+    <p:sldId id="396" r:id="rId5"/>
+    <p:sldId id="403" r:id="rId6"/>
+    <p:sldId id="383" r:id="rId7"/>
+    <p:sldId id="385" r:id="rId8"/>
+    <p:sldId id="391" r:id="rId9"/>
+    <p:sldId id="401" r:id="rId10"/>
+    <p:sldId id="404" r:id="rId11"/>
+    <p:sldId id="394" r:id="rId12"/>
   </p:sldIdLst>
   <p:sldSz cx="9144000" cy="6858000" type="screen4x3"/>
   <p:notesSz cx="6794500" cy="9931400"/>
@@ -291,7 +279,7 @@
               <a:pPr>
                 <a:defRPr/>
               </a:pPr>
-              <a:t>1/24/2014</a:t>
+              <a:t>1/27/2014</a:t>
             </a:fld>
             <a:endParaRPr lang="en-US" altLang="nl-NL"/>
           </a:p>
@@ -883,238 +871,6 @@
     </a:lvl9pPr>
   </p:notesStyle>
 </p:notesMaster>
-</file>
-
-<file path=ppt/notesSlides/notesSlide1.xml><?xml version="1.0" encoding="utf-8"?>
-<p:notes xmlns:a="http://schemas.openxmlformats.org/drawingml/2006/main" xmlns:r="http://schemas.openxmlformats.org/officeDocument/2006/relationships" xmlns:p="http://schemas.openxmlformats.org/presentationml/2006/main">
-  <p:cSld>
-    <p:spTree>
-      <p:nvGrpSpPr>
-        <p:cNvPr id="1" name=""/>
-        <p:cNvGrpSpPr/>
-        <p:nvPr/>
-      </p:nvGrpSpPr>
-      <p:grpSpPr>
-        <a:xfrm>
-          <a:off x="0" y="0"/>
-          <a:ext cx="0" cy="0"/>
-          <a:chOff x="0" y="0"/>
-          <a:chExt cx="0" cy="0"/>
-        </a:xfrm>
-      </p:grpSpPr>
-      <p:sp>
-        <p:nvSpPr>
-          <p:cNvPr id="2" name="Tijdelijke aanduiding voor dia-afbeelding 1"/>
-          <p:cNvSpPr>
-            <a:spLocks noGrp="1" noRot="1" noChangeAspect="1"/>
-          </p:cNvSpPr>
-          <p:nvPr>
-            <p:ph type="sldImg"/>
-          </p:nvPr>
-        </p:nvSpPr>
-        <p:spPr/>
-      </p:sp>
-      <p:sp>
-        <p:nvSpPr>
-          <p:cNvPr id="3" name="Tijdelijke aanduiding voor notities 2"/>
-          <p:cNvSpPr>
-            <a:spLocks noGrp="1"/>
-          </p:cNvSpPr>
-          <p:nvPr>
-            <p:ph type="body" idx="1"/>
-          </p:nvPr>
-        </p:nvSpPr>
-        <p:spPr/>
-        <p:txBody>
-          <a:bodyPr/>
-          <a:lstStyle/>
-          <a:p>
-            <a:endParaRPr lang="nl-NL"/>
-          </a:p>
-        </p:txBody>
-      </p:sp>
-      <p:sp>
-        <p:nvSpPr>
-          <p:cNvPr id="4" name="Tijdelijke aanduiding voor voettekst 3"/>
-          <p:cNvSpPr>
-            <a:spLocks noGrp="1"/>
-          </p:cNvSpPr>
-          <p:nvPr>
-            <p:ph type="ftr" sz="quarter" idx="10"/>
-          </p:nvPr>
-        </p:nvSpPr>
-        <p:spPr/>
-        <p:txBody>
-          <a:bodyPr/>
-          <a:lstStyle/>
-          <a:p>
-            <a:pPr>
-              <a:defRPr/>
-            </a:pPr>
-            <a:r>
-              <a:rPr lang="en-US" smtClean="0"/>
-              <a:t>Resultaat - Eisen - UML - View</a:t>
-            </a:r>
-            <a:endParaRPr lang="en-US"/>
-          </a:p>
-        </p:txBody>
-      </p:sp>
-      <p:sp>
-        <p:nvSpPr>
-          <p:cNvPr id="5" name="Tijdelijke aanduiding voor dianummer 4"/>
-          <p:cNvSpPr>
-            <a:spLocks noGrp="1"/>
-          </p:cNvSpPr>
-          <p:nvPr>
-            <p:ph type="sldNum" sz="quarter" idx="11"/>
-          </p:nvPr>
-        </p:nvSpPr>
-        <p:spPr/>
-        <p:txBody>
-          <a:bodyPr/>
-          <a:lstStyle/>
-          <a:p>
-            <a:pPr>
-              <a:defRPr/>
-            </a:pPr>
-            <a:fld id="{5D66914F-2A7F-4533-8A17-1A0C3EA57689}" type="slidenum">
-              <a:rPr lang="en-US" altLang="nl-NL" smtClean="0"/>
-              <a:pPr>
-                <a:defRPr/>
-              </a:pPr>
-              <a:t>2</a:t>
-            </a:fld>
-            <a:endParaRPr lang="en-US" altLang="nl-NL"/>
-          </a:p>
-        </p:txBody>
-      </p:sp>
-    </p:spTree>
-    <p:extLst>
-      <p:ext uri="{BB962C8B-B14F-4D97-AF65-F5344CB8AC3E}">
-        <p14:creationId xmlns:p14="http://schemas.microsoft.com/office/powerpoint/2010/main" val="2640974010"/>
-      </p:ext>
-    </p:extLst>
-  </p:cSld>
-  <p:clrMapOvr>
-    <a:masterClrMapping/>
-  </p:clrMapOvr>
-</p:notes>
-</file>
-
-<file path=ppt/notesSlides/notesSlide2.xml><?xml version="1.0" encoding="utf-8"?>
-<p:notes xmlns:a="http://schemas.openxmlformats.org/drawingml/2006/main" xmlns:r="http://schemas.openxmlformats.org/officeDocument/2006/relationships" xmlns:p="http://schemas.openxmlformats.org/presentationml/2006/main">
-  <p:cSld>
-    <p:spTree>
-      <p:nvGrpSpPr>
-        <p:cNvPr id="1" name=""/>
-        <p:cNvGrpSpPr/>
-        <p:nvPr/>
-      </p:nvGrpSpPr>
-      <p:grpSpPr>
-        <a:xfrm>
-          <a:off x="0" y="0"/>
-          <a:ext cx="0" cy="0"/>
-          <a:chOff x="0" y="0"/>
-          <a:chExt cx="0" cy="0"/>
-        </a:xfrm>
-      </p:grpSpPr>
-      <p:sp>
-        <p:nvSpPr>
-          <p:cNvPr id="2" name="Tijdelijke aanduiding voor dia-afbeelding 1"/>
-          <p:cNvSpPr>
-            <a:spLocks noGrp="1" noRot="1" noChangeAspect="1"/>
-          </p:cNvSpPr>
-          <p:nvPr>
-            <p:ph type="sldImg"/>
-          </p:nvPr>
-        </p:nvSpPr>
-        <p:spPr/>
-      </p:sp>
-      <p:sp>
-        <p:nvSpPr>
-          <p:cNvPr id="3" name="Tijdelijke aanduiding voor notities 2"/>
-          <p:cNvSpPr>
-            <a:spLocks noGrp="1"/>
-          </p:cNvSpPr>
-          <p:nvPr>
-            <p:ph type="body" idx="1"/>
-          </p:nvPr>
-        </p:nvSpPr>
-        <p:spPr/>
-        <p:txBody>
-          <a:bodyPr/>
-          <a:lstStyle/>
-          <a:p>
-            <a:endParaRPr lang="nl-NL"/>
-          </a:p>
-        </p:txBody>
-      </p:sp>
-      <p:sp>
-        <p:nvSpPr>
-          <p:cNvPr id="4" name="Tijdelijke aanduiding voor dianummer 3"/>
-          <p:cNvSpPr>
-            <a:spLocks noGrp="1"/>
-          </p:cNvSpPr>
-          <p:nvPr>
-            <p:ph type="sldNum" sz="quarter" idx="10"/>
-          </p:nvPr>
-        </p:nvSpPr>
-        <p:spPr/>
-        <p:txBody>
-          <a:bodyPr/>
-          <a:lstStyle/>
-          <a:p>
-            <a:pPr>
-              <a:defRPr/>
-            </a:pPr>
-            <a:fld id="{5D66914F-2A7F-4533-8A17-1A0C3EA57689}" type="slidenum">
-              <a:rPr lang="en-US" altLang="nl-NL" smtClean="0"/>
-              <a:pPr>
-                <a:defRPr/>
-              </a:pPr>
-              <a:t>3</a:t>
-            </a:fld>
-            <a:endParaRPr lang="en-US" altLang="nl-NL"/>
-          </a:p>
-        </p:txBody>
-      </p:sp>
-      <p:sp>
-        <p:nvSpPr>
-          <p:cNvPr id="5" name="Tijdelijke aanduiding voor voettekst 4"/>
-          <p:cNvSpPr>
-            <a:spLocks noGrp="1"/>
-          </p:cNvSpPr>
-          <p:nvPr>
-            <p:ph type="ftr" sz="quarter" idx="11"/>
-          </p:nvPr>
-        </p:nvSpPr>
-        <p:spPr/>
-        <p:txBody>
-          <a:bodyPr/>
-          <a:lstStyle/>
-          <a:p>
-            <a:pPr>
-              <a:defRPr/>
-            </a:pPr>
-            <a:r>
-              <a:rPr lang="en-US" smtClean="0"/>
-              <a:t>Resultaat - Eisen - UML - View</a:t>
-            </a:r>
-            <a:endParaRPr lang="en-US"/>
-          </a:p>
-        </p:txBody>
-      </p:sp>
-    </p:spTree>
-    <p:extLst>
-      <p:ext uri="{BB962C8B-B14F-4D97-AF65-F5344CB8AC3E}">
-        <p14:creationId xmlns:p14="http://schemas.microsoft.com/office/powerpoint/2010/main" val="3582223638"/>
-      </p:ext>
-    </p:extLst>
-  </p:cSld>
-  <p:clrMapOvr>
-    <a:masterClrMapping/>
-  </p:clrMapOvr>
-</p:notes>
 </file>
 
 <file path=ppt/slideLayouts/slideLayout1.xml><?xml version="1.0" encoding="utf-8"?>
@@ -5073,7 +4829,7 @@
         <p:spPr>
           <a:xfrm>
             <a:off x="495300" y="4254500"/>
-            <a:ext cx="5562600" cy="646331"/>
+            <a:ext cx="5562600" cy="1754326"/>
           </a:xfrm>
           <a:prstGeom prst="rect">
             <a:avLst/>
@@ -5101,7 +4857,88 @@
             <a:pPr algn="l"/>
             <a:r>
               <a:rPr lang="nl-NL" sz="1800" dirty="0" smtClean="0"/>
-              <a:t>Roy Klip</a:t>
+              <a:t>Roy </a:t>
+            </a:r>
+            <a:r>
+              <a:rPr lang="nl-NL" sz="1800" dirty="0" smtClean="0"/>
+              <a:t>Klip</a:t>
+            </a:r>
+          </a:p>
+          <a:p>
+            <a:pPr algn="l"/>
+            <a:r>
+              <a:rPr lang="nl-NL" sz="1800" dirty="0" smtClean="0"/>
+              <a:t>Martijn </a:t>
+            </a:r>
+            <a:r>
+              <a:rPr lang="nl-NL" sz="1800" dirty="0" err="1" smtClean="0"/>
+              <a:t>Gribnau</a:t>
+            </a:r>
+            <a:endParaRPr lang="nl-NL" sz="1800" dirty="0" smtClean="0"/>
+          </a:p>
+          <a:p>
+            <a:pPr algn="l"/>
+            <a:r>
+              <a:rPr lang="nl-NL" sz="1800" dirty="0" smtClean="0"/>
+              <a:t>Alan van Rossum</a:t>
+            </a:r>
+          </a:p>
+          <a:p>
+            <a:pPr algn="l"/>
+            <a:r>
+              <a:rPr lang="nl-NL" sz="1800" dirty="0" smtClean="0"/>
+              <a:t>Robin Borst</a:t>
+            </a:r>
+          </a:p>
+          <a:p>
+            <a:pPr algn="l"/>
+            <a:r>
+              <a:rPr lang="nl-NL" sz="1800" dirty="0" err="1" smtClean="0"/>
+              <a:t>Ike</a:t>
+            </a:r>
+            <a:r>
+              <a:rPr lang="nl-NL" sz="1800" dirty="0" smtClean="0"/>
+              <a:t> </a:t>
+            </a:r>
+            <a:r>
+              <a:rPr lang="nl-NL" sz="1800" dirty="0" err="1" smtClean="0"/>
+              <a:t>Rijsdijk</a:t>
+            </a:r>
+            <a:endParaRPr lang="nl-NL" sz="1800" dirty="0"/>
+          </a:p>
+        </p:txBody>
+      </p:sp>
+      <p:sp>
+        <p:nvSpPr>
+          <p:cNvPr id="10" name="Tekstvak 9"/>
+          <p:cNvSpPr txBox="1"/>
+          <p:nvPr/>
+        </p:nvSpPr>
+        <p:spPr>
+          <a:xfrm>
+            <a:off x="6083300" y="4673600"/>
+            <a:ext cx="2171700" cy="646331"/>
+          </a:xfrm>
+          <a:prstGeom prst="rect">
+            <a:avLst/>
+          </a:prstGeom>
+          <a:noFill/>
+        </p:spPr>
+        <p:txBody>
+          <a:bodyPr wrap="square" rtlCol="0">
+            <a:spAutoFit/>
+          </a:bodyPr>
+          <a:lstStyle/>
+          <a:p>
+            <a:r>
+              <a:rPr lang="nl-NL" sz="1800" dirty="0" smtClean="0"/>
+              <a:t>28-1-2014</a:t>
+            </a:r>
+          </a:p>
+          <a:p>
+            <a:r>
+              <a:rPr lang="nl-NL" sz="1800" dirty="0" smtClean="0"/>
+              <a:t>Snijderszaal</a:t>
             </a:r>
             <a:endParaRPr lang="nl-NL" sz="1800" dirty="0"/>
           </a:p>
@@ -5109,7 +4946,7 @@
       </p:sp>
       <p:pic>
         <p:nvPicPr>
-          <p:cNvPr id="8" name="Afbeelding 7" descr="selector.png"/>
+          <p:cNvPr id="9" name="Afbeelding 8" descr="applicationIcon-128x128.png"/>
           <p:cNvPicPr>
             <a:picLocks noChangeAspect="1"/>
           </p:cNvPicPr>
@@ -5123,50 +4960,14 @@
         </p:blipFill>
         <p:spPr>
           <a:xfrm>
-            <a:off x="6488668" y="2159000"/>
-            <a:ext cx="1105932" cy="1719663"/>
+            <a:off x="6083300" y="2347214"/>
+            <a:ext cx="1314260" cy="1314260"/>
           </a:xfrm>
           <a:prstGeom prst="rect">
             <a:avLst/>
           </a:prstGeom>
         </p:spPr>
       </p:pic>
-      <p:sp>
-        <p:nvSpPr>
-          <p:cNvPr id="10" name="Tekstvak 9"/>
-          <p:cNvSpPr txBox="1"/>
-          <p:nvPr/>
-        </p:nvSpPr>
-        <p:spPr>
-          <a:xfrm>
-            <a:off x="6083300" y="4673600"/>
-            <a:ext cx="2171700" cy="646331"/>
-          </a:xfrm>
-          <a:prstGeom prst="rect">
-            <a:avLst/>
-          </a:prstGeom>
-          <a:noFill/>
-        </p:spPr>
-        <p:txBody>
-          <a:bodyPr wrap="square" rtlCol="0">
-            <a:spAutoFit/>
-          </a:bodyPr>
-          <a:lstStyle/>
-          <a:p>
-            <a:r>
-              <a:rPr lang="nl-NL" sz="1800" dirty="0" smtClean="0"/>
-              <a:t>28-1-2014</a:t>
-            </a:r>
-          </a:p>
-          <a:p>
-            <a:r>
-              <a:rPr lang="nl-NL" sz="1800" dirty="0" smtClean="0"/>
-              <a:t>Snijderszaal</a:t>
-            </a:r>
-            <a:endParaRPr lang="nl-NL" sz="1800" dirty="0"/>
-          </a:p>
-        </p:txBody>
-      </p:sp>
     </p:spTree>
   </p:cSld>
   <p:clrMapOvr>
@@ -5218,7 +5019,7 @@
               <a:rPr lang="nl-NL" dirty="0" smtClean="0">
                 <a:latin typeface="+mn-lt"/>
               </a:rPr>
-              <a:t>UML &gt; Formules</a:t>
+              <a:t>Eisen van het programma</a:t>
             </a:r>
             <a:endParaRPr lang="nl-NL" dirty="0">
               <a:latin typeface="+mn-lt"/>
@@ -5226,123 +5027,71 @@
           </a:p>
         </p:txBody>
       </p:sp>
-      <p:pic>
-        <p:nvPicPr>
-          <p:cNvPr id="7" name="Afbeelding 6" descr="applicationIcon-128x128.png"/>
-          <p:cNvPicPr>
-            <a:picLocks noChangeAspect="1"/>
-          </p:cNvPicPr>
-          <p:nvPr/>
-        </p:nvPicPr>
-        <p:blipFill>
-          <a:blip r:embed="rId2" cstate="print"/>
-          <a:stretch>
-            <a:fillRect/>
-          </a:stretch>
-        </p:blipFill>
-        <p:spPr>
-          <a:xfrm>
-            <a:off x="8128000" y="215900"/>
-            <a:ext cx="800100" cy="800100"/>
-          </a:xfrm>
-          <a:prstGeom prst="rect">
-            <a:avLst/>
-          </a:prstGeom>
-        </p:spPr>
-      </p:pic>
-      <p:sp>
-        <p:nvSpPr>
-          <p:cNvPr id="5" name="Tekstvak 4"/>
-          <p:cNvSpPr txBox="1"/>
-          <p:nvPr/>
-        </p:nvSpPr>
-        <p:spPr>
-          <a:xfrm>
-            <a:off x="2052215" y="6169966"/>
-            <a:ext cx="4506170" cy="461665"/>
-          </a:xfrm>
-          <a:prstGeom prst="rect">
-            <a:avLst/>
-          </a:prstGeom>
-          <a:noFill/>
-        </p:spPr>
-        <p:txBody>
-          <a:bodyPr wrap="none" rtlCol="0">
-            <a:spAutoFit/>
-          </a:bodyPr>
+      <p:sp>
+        <p:nvSpPr>
+          <p:cNvPr id="3" name="Tijdelijke aanduiding voor inhoud 2"/>
+          <p:cNvSpPr>
+            <a:spLocks noGrp="1"/>
+          </p:cNvSpPr>
+          <p:nvPr>
+            <p:ph idx="1"/>
+          </p:nvPr>
+        </p:nvSpPr>
+        <p:spPr/>
+        <p:txBody>
+          <a:bodyPr/>
           <a:lstStyle/>
           <a:p>
             <a:r>
               <a:rPr lang="nl-NL" dirty="0" smtClean="0"/>
-              <a:t>Resultaat – Eisen – </a:t>
-            </a:r>
-            <a:r>
-              <a:rPr lang="nl-NL" b="1" dirty="0" smtClean="0"/>
-              <a:t>UML</a:t>
-            </a:r>
+              <a:t>Lezen en wegschrijven van bestanden in </a:t>
+            </a:r>
+            <a:r>
+              <a:rPr lang="nl-NL" dirty="0" err="1" smtClean="0"/>
+              <a:t>xml-formaat</a:t>
+            </a:r>
+            <a:endParaRPr lang="nl-NL" dirty="0" smtClean="0"/>
+          </a:p>
+          <a:p>
+            <a:endParaRPr lang="nl-NL" dirty="0" smtClean="0"/>
+          </a:p>
+          <a:p>
             <a:r>
               <a:rPr lang="nl-NL" dirty="0" smtClean="0"/>
-              <a:t> - View</a:t>
-            </a:r>
-            <a:endParaRPr lang="nl-NL" dirty="0"/>
-          </a:p>
-        </p:txBody>
-      </p:sp>
-      <p:pic>
-        <p:nvPicPr>
-          <p:cNvPr id="12290" name="Picture 2"/>
-          <p:cNvPicPr>
-            <a:picLocks noChangeAspect="1" noChangeArrowheads="1"/>
-          </p:cNvPicPr>
-          <p:nvPr/>
-        </p:nvPicPr>
-        <p:blipFill>
-          <a:blip r:embed="rId3">
-            <a:extLst>
-              <a:ext uri="{28A0092B-C50C-407E-A947-70E740481C1C}">
-                <a14:useLocalDpi xmlns:a14="http://schemas.microsoft.com/office/drawing/2010/main" val="0"/>
-              </a:ext>
-            </a:extLst>
-          </a:blip>
-          <a:srcRect/>
-          <a:stretch>
-            <a:fillRect/>
-          </a:stretch>
-        </p:blipFill>
-        <p:spPr bwMode="auto">
-          <a:xfrm>
-            <a:off x="1581150" y="1016000"/>
-            <a:ext cx="5981700" cy="5038725"/>
-          </a:xfrm>
-          <a:prstGeom prst="rect">
-            <a:avLst/>
-          </a:prstGeom>
-          <a:noFill/>
-          <a:ln>
-            <a:noFill/>
-          </a:ln>
-          <a:extLst>
-            <a:ext uri="{909E8E84-426E-40DD-AFC4-6F175D3DCCD1}">
-              <a14:hiddenFill xmlns:a14="http://schemas.microsoft.com/office/drawing/2010/main">
-                <a:solidFill>
-                  <a:schemeClr val="accent1"/>
-                </a:solidFill>
-              </a14:hiddenFill>
-            </a:ext>
-            <a:ext uri="{91240B29-F687-4F45-9708-019B960494DF}">
-              <a14:hiddenLine xmlns:a14="http://schemas.microsoft.com/office/drawing/2010/main" w="9525">
-                <a:solidFill>
-                  <a:schemeClr val="tx1"/>
-                </a:solidFill>
-                <a:miter lim="800000"/>
-                <a:headEnd/>
-                <a:tailEnd/>
-              </a14:hiddenLine>
-            </a:ext>
-          </a:extLst>
-        </p:spPr>
-      </p:pic>
+              <a:t>Implementatie van formules</a:t>
+            </a:r>
+          </a:p>
+          <a:p>
+            <a:endParaRPr lang="nl-NL" dirty="0" smtClean="0"/>
+          </a:p>
+          <a:p>
+            <a:r>
+              <a:rPr lang="nl-NL" dirty="0" smtClean="0"/>
+              <a:t>Maken van een </a:t>
+            </a:r>
+            <a:r>
+              <a:rPr lang="nl-NL" dirty="0" err="1" smtClean="0"/>
+              <a:t>UML-diagram</a:t>
+            </a:r>
+            <a:endParaRPr lang="nl-NL" dirty="0" smtClean="0"/>
+          </a:p>
+          <a:p>
+            <a:endParaRPr lang="nl-NL" dirty="0" smtClean="0"/>
+          </a:p>
+          <a:p>
+            <a:r>
+              <a:rPr lang="nl-NL" dirty="0" smtClean="0"/>
+              <a:t>Grafische User Interface</a:t>
+            </a:r>
+          </a:p>
+        </p:txBody>
+      </p:sp>
     </p:spTree>
+    <p:extLst>
+      <p:ext uri="{BB962C8B-B14F-4D97-AF65-F5344CB8AC3E}">
+        <p14:creationId xmlns:p14="http://schemas.microsoft.com/office/powerpoint/2010/main" val="3018886311"/>
+      </p:ext>
+    </p:extLst>
   </p:cSld>
   <p:clrMapOvr>
     <a:masterClrMapping/>
@@ -5376,85 +5125,277 @@
       </p:grpSpPr>
       <p:sp>
         <p:nvSpPr>
-          <p:cNvPr id="2" name="Titel 1"/>
+          <p:cNvPr id="3074" name="Rectangle 5"/>
+          <p:cNvSpPr>
+            <a:spLocks noChangeArrowheads="1"/>
+          </p:cNvSpPr>
+          <p:nvPr/>
+        </p:nvSpPr>
+        <p:spPr bwMode="auto">
+          <a:xfrm>
+            <a:off x="471488" y="2055813"/>
+            <a:ext cx="7307262" cy="1897062"/>
+          </a:xfrm>
+          <a:prstGeom prst="rect">
+            <a:avLst/>
+          </a:prstGeom>
+          <a:solidFill>
+            <a:schemeClr val="tx1"/>
+          </a:solidFill>
+          <a:ln w="9525">
+            <a:noFill/>
+            <a:round/>
+            <a:headEnd/>
+            <a:tailEnd/>
+          </a:ln>
+        </p:spPr>
+        <p:txBody>
+          <a:bodyPr/>
+          <a:lstStyle/>
+          <a:p>
+            <a:pPr algn="l" eaLnBrk="0" hangingPunct="0"/>
+            <a:endParaRPr lang="nl-NL" altLang="nl-NL">
+              <a:latin typeface="Arial" charset="0"/>
+              <a:ea typeface="ＭＳ Ｐゴシック" pitchFamily="34" charset="-128"/>
+            </a:endParaRPr>
+          </a:p>
+        </p:txBody>
+      </p:sp>
+      <p:sp>
+        <p:nvSpPr>
+          <p:cNvPr id="17411" name="Title 3"/>
           <p:cNvSpPr>
             <a:spLocks noGrp="1"/>
           </p:cNvSpPr>
           <p:nvPr>
-            <p:ph type="title"/>
+            <p:ph type="ctrTitle"/>
           </p:nvPr>
         </p:nvSpPr>
-        <p:spPr/>
+        <p:spPr>
+          <a:xfrm>
+            <a:off x="685800" y="2155825"/>
+            <a:ext cx="6799263" cy="646113"/>
+          </a:xfrm>
+        </p:spPr>
         <p:txBody>
           <a:bodyPr/>
           <a:lstStyle/>
           <a:p>
-            <a:r>
-              <a:rPr lang="nl-NL" dirty="0" smtClean="0">
+            <a:pPr marL="0" indent="0">
+              <a:defRPr/>
+            </a:pPr>
+            <a:r>
+              <a:rPr lang="en-US" altLang="nl-NL" dirty="0" smtClean="0">
                 <a:latin typeface="+mn-lt"/>
               </a:rPr>
-              <a:t>Formules</a:t>
-            </a:r>
-            <a:endParaRPr lang="nl-NL" dirty="0">
-              <a:latin typeface="+mn-lt"/>
-            </a:endParaRPr>
-          </a:p>
-        </p:txBody>
-      </p:sp>
-      <p:sp>
-        <p:nvSpPr>
-          <p:cNvPr id="3" name="Tijdelijke aanduiding voor inhoud 2"/>
+              <a:t>Scarlett</a:t>
+            </a:r>
+          </a:p>
+        </p:txBody>
+      </p:sp>
+      <p:sp>
+        <p:nvSpPr>
+          <p:cNvPr id="3076" name="Subtitle 4"/>
           <p:cNvSpPr>
             <a:spLocks noGrp="1"/>
           </p:cNvSpPr>
           <p:nvPr>
-            <p:ph idx="1"/>
+            <p:ph type="subTitle" idx="1"/>
           </p:nvPr>
         </p:nvSpPr>
-        <p:spPr/>
+        <p:spPr>
+          <a:xfrm>
+            <a:off x="693738" y="2862263"/>
+            <a:ext cx="6781800" cy="828675"/>
+          </a:xfrm>
+        </p:spPr>
         <p:txBody>
           <a:bodyPr/>
           <a:lstStyle/>
           <a:p>
             <a:r>
-              <a:rPr lang="nl-NL" dirty="0" smtClean="0"/>
-              <a:t>25 formules</a:t>
-            </a:r>
-          </a:p>
-          <a:p>
-            <a:endParaRPr lang="nl-NL" dirty="0" smtClean="0"/>
-          </a:p>
-          <a:p>
-            <a:r>
-              <a:rPr lang="nl-NL" dirty="0" smtClean="0"/>
-              <a:t>Uitbreidbaar</a:t>
-            </a:r>
-          </a:p>
-          <a:p>
-            <a:endParaRPr lang="nl-NL" dirty="0" smtClean="0"/>
-          </a:p>
-          <a:p>
-            <a:r>
-              <a:rPr lang="nl-NL" dirty="0" smtClean="0"/>
-              <a:t>Formule </a:t>
-            </a:r>
-            <a:r>
-              <a:rPr lang="nl-NL" dirty="0" err="1" smtClean="0"/>
-              <a:t>parsing</a:t>
-            </a:r>
-            <a:endParaRPr lang="nl-NL" dirty="0" smtClean="0"/>
-          </a:p>
-          <a:p>
-            <a:pPr>
-              <a:buNone/>
+              <a:rPr lang="nl-NL" altLang="nl-NL" dirty="0" smtClean="0">
+                <a:latin typeface="Tahoma" pitchFamily="34" charset="0"/>
+                <a:ea typeface="ＭＳ Ｐゴシック" pitchFamily="34" charset="-128"/>
+              </a:rPr>
+              <a:t>Spreadsheet programma</a:t>
+            </a:r>
+          </a:p>
+        </p:txBody>
+      </p:sp>
+      <p:sp>
+        <p:nvSpPr>
+          <p:cNvPr id="7" name="Rectangle 20"/>
+          <p:cNvSpPr>
+            <a:spLocks noChangeArrowheads="1"/>
+          </p:cNvSpPr>
+          <p:nvPr/>
+        </p:nvSpPr>
+        <p:spPr bwMode="auto">
+          <a:xfrm>
+            <a:off x="0" y="0"/>
+            <a:ext cx="469900" cy="2057400"/>
+          </a:xfrm>
+          <a:prstGeom prst="rect">
+            <a:avLst/>
+          </a:prstGeom>
+          <a:solidFill>
+            <a:srgbClr val="00A6D6"/>
+          </a:solidFill>
+          <a:ln w="9525">
+            <a:noFill/>
+            <a:miter lim="800000"/>
+            <a:headEnd/>
+            <a:tailEnd/>
+          </a:ln>
+          <a:effectLst/>
+        </p:spPr>
+        <p:txBody>
+          <a:bodyPr wrap="none" anchor="ctr"/>
+          <a:lstStyle/>
+          <a:p>
+            <a:pPr algn="r">
+              <a:defRPr/>
             </a:pPr>
-            <a:endParaRPr lang="nl-NL" dirty="0" smtClean="0"/>
+            <a:endParaRPr lang="nl-NL" sz="2200">
+              <a:cs typeface="+mn-cs"/>
+            </a:endParaRPr>
+          </a:p>
+        </p:txBody>
+      </p:sp>
+      <p:sp>
+        <p:nvSpPr>
+          <p:cNvPr id="6" name="Tekstvak 5"/>
+          <p:cNvSpPr txBox="1"/>
+          <p:nvPr/>
+        </p:nvSpPr>
+        <p:spPr>
+          <a:xfrm>
+            <a:off x="495300" y="4254500"/>
+            <a:ext cx="5562600" cy="2031325"/>
+          </a:xfrm>
+          <a:prstGeom prst="rect">
+            <a:avLst/>
+          </a:prstGeom>
+          <a:noFill/>
+        </p:spPr>
+        <p:txBody>
+          <a:bodyPr wrap="square" rtlCol="0">
+            <a:spAutoFit/>
+          </a:bodyPr>
+          <a:lstStyle/>
+          <a:p>
+            <a:pPr algn="l"/>
+            <a:r>
+              <a:rPr lang="nl-NL" sz="1800" dirty="0" smtClean="0"/>
+              <a:t>Mitchell </a:t>
+            </a:r>
+            <a:r>
+              <a:rPr lang="nl-NL" sz="1800" dirty="0" err="1" smtClean="0"/>
+              <a:t>Olsthoorn</a:t>
+            </a:r>
+            <a:endParaRPr lang="nl-NL" sz="1800" dirty="0" smtClean="0"/>
+          </a:p>
+          <a:p>
+            <a:pPr algn="l"/>
+            <a:r>
+              <a:rPr lang="nl-NL" sz="1800" dirty="0" smtClean="0"/>
+              <a:t>Roy </a:t>
+            </a:r>
+            <a:r>
+              <a:rPr lang="nl-NL" sz="1800" dirty="0" smtClean="0"/>
+              <a:t>Klip</a:t>
+            </a:r>
+          </a:p>
+          <a:p>
+            <a:pPr algn="l"/>
+            <a:r>
+              <a:rPr lang="nl-NL" sz="1800" dirty="0"/>
+              <a:t>Martijn </a:t>
+            </a:r>
+            <a:r>
+              <a:rPr lang="nl-NL" sz="1800" dirty="0" err="1"/>
+              <a:t>Gribnau</a:t>
+            </a:r>
+            <a:endParaRPr lang="nl-NL" sz="1800" dirty="0"/>
+          </a:p>
+          <a:p>
+            <a:pPr algn="l"/>
+            <a:r>
+              <a:rPr lang="nl-NL" sz="1800" dirty="0"/>
+              <a:t>Alan van Rossum</a:t>
+            </a:r>
+          </a:p>
+          <a:p>
+            <a:pPr algn="l"/>
+            <a:r>
+              <a:rPr lang="nl-NL" sz="1800" dirty="0"/>
+              <a:t>Robin Borst</a:t>
+            </a:r>
+          </a:p>
+          <a:p>
+            <a:pPr algn="l"/>
+            <a:r>
+              <a:rPr lang="nl-NL" sz="1800" dirty="0" err="1"/>
+              <a:t>Ike</a:t>
+            </a:r>
+            <a:r>
+              <a:rPr lang="nl-NL" sz="1800" dirty="0"/>
+              <a:t> </a:t>
+            </a:r>
+            <a:r>
+              <a:rPr lang="nl-NL" sz="1800" dirty="0" err="1"/>
+              <a:t>Rijsdijk</a:t>
+            </a:r>
+            <a:endParaRPr lang="nl-NL" sz="1800" dirty="0"/>
+          </a:p>
+          <a:p>
+            <a:pPr algn="l"/>
+            <a:endParaRPr lang="nl-NL" sz="1800" dirty="0"/>
+          </a:p>
+        </p:txBody>
+      </p:sp>
+      <p:sp>
+        <p:nvSpPr>
+          <p:cNvPr id="10" name="Tekstvak 9"/>
+          <p:cNvSpPr txBox="1"/>
+          <p:nvPr/>
+        </p:nvSpPr>
+        <p:spPr>
+          <a:xfrm>
+            <a:off x="6083300" y="4673600"/>
+            <a:ext cx="2171700" cy="1015663"/>
+          </a:xfrm>
+          <a:prstGeom prst="rect">
+            <a:avLst/>
+          </a:prstGeom>
+          <a:noFill/>
+        </p:spPr>
+        <p:txBody>
+          <a:bodyPr wrap="square" rtlCol="0">
+            <a:spAutoFit/>
+          </a:bodyPr>
+          <a:lstStyle/>
+          <a:p>
+            <a:r>
+              <a:rPr lang="nl-NL" sz="1800" dirty="0" smtClean="0"/>
+              <a:t>28-1-2014</a:t>
+            </a:r>
+          </a:p>
+          <a:p>
+            <a:r>
+              <a:rPr lang="nl-NL" sz="1800" dirty="0"/>
+              <a:t>Snijderszaal</a:t>
+            </a:r>
+          </a:p>
+          <a:p>
+            <a:endParaRPr lang="nl-NL" dirty="0"/>
           </a:p>
         </p:txBody>
       </p:sp>
       <p:pic>
         <p:nvPicPr>
-          <p:cNvPr id="6" name="Afbeelding 5" descr="applicationIcon-128x128.png"/>
+          <p:cNvPr id="11" name="Afbeelding 10" descr="applicationIcon-128x128.png"/>
           <p:cNvPicPr>
             <a:picLocks noChangeAspect="1"/>
           </p:cNvPicPr>
@@ -5468,104 +5409,12 @@
         </p:blipFill>
         <p:spPr>
           <a:xfrm>
-            <a:off x="8128000" y="215900"/>
-            <a:ext cx="800100" cy="800100"/>
+            <a:off x="6083300" y="2347214"/>
+            <a:ext cx="1314260" cy="1314260"/>
           </a:xfrm>
           <a:prstGeom prst="rect">
             <a:avLst/>
           </a:prstGeom>
-        </p:spPr>
-      </p:pic>
-      <p:sp>
-        <p:nvSpPr>
-          <p:cNvPr id="8" name="Tekstvak 7"/>
-          <p:cNvSpPr txBox="1"/>
-          <p:nvPr/>
-        </p:nvSpPr>
-        <p:spPr>
-          <a:xfrm>
-            <a:off x="2052215" y="6169966"/>
-            <a:ext cx="4506170" cy="461665"/>
-          </a:xfrm>
-          <a:prstGeom prst="rect">
-            <a:avLst/>
-          </a:prstGeom>
-          <a:noFill/>
-        </p:spPr>
-        <p:txBody>
-          <a:bodyPr wrap="none" rtlCol="0">
-            <a:spAutoFit/>
-          </a:bodyPr>
-          <a:lstStyle/>
-          <a:p>
-            <a:r>
-              <a:rPr lang="nl-NL" dirty="0" smtClean="0"/>
-              <a:t>Resultaat – Eisen – </a:t>
-            </a:r>
-            <a:r>
-              <a:rPr lang="nl-NL" b="1" dirty="0" smtClean="0"/>
-              <a:t>UML</a:t>
-            </a:r>
-            <a:r>
-              <a:rPr lang="nl-NL" dirty="0" smtClean="0"/>
-              <a:t> - View</a:t>
-            </a:r>
-            <a:endParaRPr lang="nl-NL" dirty="0"/>
-          </a:p>
-        </p:txBody>
-      </p:sp>
-      <p:pic>
-        <p:nvPicPr>
-          <p:cNvPr id="3074" name="Picture 2"/>
-          <p:cNvPicPr>
-            <a:picLocks noChangeAspect="1" noChangeArrowheads="1"/>
-          </p:cNvPicPr>
-          <p:nvPr/>
-        </p:nvPicPr>
-        <p:blipFill>
-          <a:blip r:embed="rId3">
-            <a:extLst>
-              <a:ext uri="{28A0092B-C50C-407E-A947-70E740481C1C}">
-                <a14:useLocalDpi xmlns:a14="http://schemas.microsoft.com/office/drawing/2010/main" val="0"/>
-              </a:ext>
-            </a:extLst>
-          </a:blip>
-          <a:srcRect/>
-          <a:stretch>
-            <a:fillRect/>
-          </a:stretch>
-        </p:blipFill>
-        <p:spPr bwMode="auto">
-          <a:xfrm>
-            <a:off x="3537186" y="878041"/>
-            <a:ext cx="4590813" cy="5172182"/>
-          </a:xfrm>
-          <a:prstGeom prst="rect">
-            <a:avLst/>
-          </a:prstGeom>
-          <a:noFill/>
-          <a:ln>
-            <a:noFill/>
-          </a:ln>
-          <a:extLst>
-            <a:ext uri="{909E8E84-426E-40DD-AFC4-6F175D3DCCD1}">
-              <a14:hiddenFill xmlns:a14="http://schemas.microsoft.com/office/drawing/2010/main">
-                <a:solidFill>
-                  <a:schemeClr val="accent1"/>
-                </a:solidFill>
-              </a14:hiddenFill>
-            </a:ext>
-            <a:ext uri="{91240B29-F687-4F45-9708-019B960494DF}">
-              <a14:hiddenLine xmlns:a14="http://schemas.microsoft.com/office/drawing/2010/main" w="9525">
-                <a:solidFill>
-                  <a:schemeClr val="tx1"/>
-                </a:solidFill>
-                <a:miter lim="800000"/>
-                <a:headEnd/>
-                <a:tailEnd/>
-              </a14:hiddenLine>
-            </a:ext>
-          </a:extLst>
         </p:spPr>
       </p:pic>
     </p:spTree>
@@ -5583,7 +5432,7 @@
 </p:sld>
 </file>
 
-<file path=ppt/slides/slide12.xml><?xml version="1.0" encoding="utf-8"?>
+<file path=ppt/slides/slide2.xml><?xml version="1.0" encoding="utf-8"?>
 <p:sld xmlns:a="http://schemas.openxmlformats.org/drawingml/2006/main" xmlns:r="http://schemas.openxmlformats.org/officeDocument/2006/relationships" xmlns:p="http://schemas.openxmlformats.org/presentationml/2006/main">
   <p:cSld>
     <p:spTree>
@@ -5619,7 +5468,7 @@
               <a:rPr lang="nl-NL" dirty="0" smtClean="0">
                 <a:latin typeface="+mn-lt"/>
               </a:rPr>
-              <a:t>UML &gt; Controller</a:t>
+              <a:t>Eisen van het programma</a:t>
             </a:r>
             <a:endParaRPr lang="nl-NL" dirty="0">
               <a:latin typeface="+mn-lt"/>
@@ -5627,122 +5476,65 @@
           </a:p>
         </p:txBody>
       </p:sp>
-      <p:pic>
-        <p:nvPicPr>
-          <p:cNvPr id="5" name="Afbeelding 4" descr="applicationIcon-128x128.png"/>
-          <p:cNvPicPr>
-            <a:picLocks noChangeAspect="1"/>
-          </p:cNvPicPr>
-          <p:nvPr/>
-        </p:nvPicPr>
-        <p:blipFill>
-          <a:blip r:embed="rId2" cstate="print"/>
-          <a:stretch>
-            <a:fillRect/>
-          </a:stretch>
-        </p:blipFill>
-        <p:spPr>
-          <a:xfrm>
-            <a:off x="8128000" y="215900"/>
-            <a:ext cx="800100" cy="800100"/>
-          </a:xfrm>
-          <a:prstGeom prst="rect">
-            <a:avLst/>
-          </a:prstGeom>
-        </p:spPr>
-      </p:pic>
-      <p:sp>
-        <p:nvSpPr>
-          <p:cNvPr id="7" name="Tekstvak 6"/>
-          <p:cNvSpPr txBox="1"/>
-          <p:nvPr/>
-        </p:nvSpPr>
-        <p:spPr>
-          <a:xfrm>
-            <a:off x="2052215" y="6169966"/>
-            <a:ext cx="4506170" cy="461665"/>
-          </a:xfrm>
-          <a:prstGeom prst="rect">
-            <a:avLst/>
-          </a:prstGeom>
-          <a:noFill/>
-        </p:spPr>
-        <p:txBody>
-          <a:bodyPr wrap="none" rtlCol="0">
-            <a:spAutoFit/>
-          </a:bodyPr>
+      <p:sp>
+        <p:nvSpPr>
+          <p:cNvPr id="3" name="Tijdelijke aanduiding voor inhoud 2"/>
+          <p:cNvSpPr>
+            <a:spLocks noGrp="1"/>
+          </p:cNvSpPr>
+          <p:nvPr>
+            <p:ph idx="1"/>
+          </p:nvPr>
+        </p:nvSpPr>
+        <p:spPr/>
+        <p:txBody>
+          <a:bodyPr/>
           <a:lstStyle/>
           <a:p>
             <a:r>
               <a:rPr lang="nl-NL" dirty="0" smtClean="0"/>
-              <a:t>Resultaat – Eisen – </a:t>
-            </a:r>
-            <a:r>
-              <a:rPr lang="nl-NL" b="1" dirty="0" smtClean="0"/>
-              <a:t>UML</a:t>
-            </a:r>
+              <a:t>Lezen en wegschrijven van bestanden in </a:t>
+            </a:r>
+            <a:r>
+              <a:rPr lang="nl-NL" dirty="0" err="1" smtClean="0"/>
+              <a:t>xml-formaat</a:t>
+            </a:r>
+            <a:endParaRPr lang="nl-NL" dirty="0" smtClean="0"/>
+          </a:p>
+          <a:p>
+            <a:endParaRPr lang="nl-NL" dirty="0" smtClean="0"/>
+          </a:p>
+          <a:p>
             <a:r>
               <a:rPr lang="nl-NL" dirty="0" smtClean="0"/>
-              <a:t> - View</a:t>
-            </a:r>
-            <a:endParaRPr lang="nl-NL" dirty="0"/>
-          </a:p>
-        </p:txBody>
-      </p:sp>
-      <p:pic>
-        <p:nvPicPr>
-          <p:cNvPr id="13314" name="Picture 2"/>
-          <p:cNvPicPr>
-            <a:picLocks noChangeAspect="1" noChangeArrowheads="1"/>
-          </p:cNvPicPr>
-          <p:nvPr/>
-        </p:nvPicPr>
-        <p:blipFill>
-          <a:blip r:embed="rId3">
-            <a:extLst>
-              <a:ext uri="{28A0092B-C50C-407E-A947-70E740481C1C}">
-                <a14:useLocalDpi xmlns:a14="http://schemas.microsoft.com/office/drawing/2010/main" val="0"/>
-              </a:ext>
-            </a:extLst>
-          </a:blip>
-          <a:srcRect/>
-          <a:stretch>
-            <a:fillRect/>
-          </a:stretch>
-        </p:blipFill>
-        <p:spPr bwMode="auto">
-          <a:xfrm>
-            <a:off x="1576387" y="1016000"/>
-            <a:ext cx="5991225" cy="5029200"/>
-          </a:xfrm>
-          <a:prstGeom prst="rect">
-            <a:avLst/>
-          </a:prstGeom>
-          <a:noFill/>
-          <a:ln>
-            <a:noFill/>
-          </a:ln>
-          <a:extLst>
-            <a:ext uri="{909E8E84-426E-40DD-AFC4-6F175D3DCCD1}">
-              <a14:hiddenFill xmlns:a14="http://schemas.microsoft.com/office/drawing/2010/main">
-                <a:solidFill>
-                  <a:schemeClr val="accent1"/>
-                </a:solidFill>
-              </a14:hiddenFill>
-            </a:ext>
-            <a:ext uri="{91240B29-F687-4F45-9708-019B960494DF}">
-              <a14:hiddenLine xmlns:a14="http://schemas.microsoft.com/office/drawing/2010/main" w="9525">
-                <a:solidFill>
-                  <a:schemeClr val="tx1"/>
-                </a:solidFill>
-                <a:miter lim="800000"/>
-                <a:headEnd/>
-                <a:tailEnd/>
-              </a14:hiddenLine>
-            </a:ext>
-          </a:extLst>
-        </p:spPr>
-      </p:pic>
+              <a:t>Implementatie van formules</a:t>
+            </a:r>
+          </a:p>
+          <a:p>
+            <a:endParaRPr lang="nl-NL" dirty="0" smtClean="0"/>
+          </a:p>
+          <a:p>
+            <a:r>
+              <a:rPr lang="nl-NL" dirty="0" smtClean="0"/>
+              <a:t>Maken van een </a:t>
+            </a:r>
+            <a:r>
+              <a:rPr lang="nl-NL" dirty="0" err="1" smtClean="0"/>
+              <a:t>UML-diagram</a:t>
+            </a:r>
+            <a:endParaRPr lang="nl-NL" dirty="0" smtClean="0"/>
+          </a:p>
+          <a:p>
+            <a:endParaRPr lang="nl-NL" dirty="0" smtClean="0"/>
+          </a:p>
+          <a:p>
+            <a:r>
+              <a:rPr lang="nl-NL" dirty="0" smtClean="0"/>
+              <a:t>Grafische User Interface</a:t>
+            </a:r>
+          </a:p>
+        </p:txBody>
+      </p:sp>
     </p:spTree>
   </p:cSld>
   <p:clrMapOvr>
@@ -5758,7 +5550,7 @@
 </p:sld>
 </file>
 
-<file path=ppt/slides/slide13.xml><?xml version="1.0" encoding="utf-8"?>
+<file path=ppt/slides/slide3.xml><?xml version="1.0" encoding="utf-8"?>
 <p:sld xmlns:a="http://schemas.openxmlformats.org/drawingml/2006/main" xmlns:r="http://schemas.openxmlformats.org/officeDocument/2006/relationships" xmlns:p="http://schemas.openxmlformats.org/presentationml/2006/main">
   <p:cSld>
     <p:spTree>
@@ -5794,7 +5586,7 @@
               <a:rPr lang="nl-NL" dirty="0" smtClean="0">
                 <a:latin typeface="+mn-lt"/>
               </a:rPr>
-              <a:t>Controller</a:t>
+              <a:t>Start</a:t>
             </a:r>
             <a:endParaRPr lang="nl-NL" dirty="0">
               <a:latin typeface="+mn-lt"/>
@@ -5817,636 +5609,7 @@
           <a:bodyPr/>
           <a:lstStyle/>
           <a:p>
-            <a:pPr marL="0" indent="0">
-              <a:buNone/>
-            </a:pPr>
-            <a:r>
-              <a:rPr lang="nl-NL" dirty="0" smtClean="0"/>
-              <a:t>	</a:t>
-            </a:r>
-            <a:r>
-              <a:rPr lang="nl-NL" dirty="0" smtClean="0"/>
-              <a:t>		Hart </a:t>
-            </a:r>
-            <a:r>
-              <a:rPr lang="nl-NL" dirty="0" smtClean="0"/>
-              <a:t>van de applicatie</a:t>
-            </a:r>
-          </a:p>
-          <a:p>
-            <a:endParaRPr lang="nl-NL" dirty="0" smtClean="0"/>
-          </a:p>
-        </p:txBody>
-      </p:sp>
-      <p:pic>
-        <p:nvPicPr>
-          <p:cNvPr id="4" name="Afbeelding 3" descr="applicationIcon-128x128.png"/>
-          <p:cNvPicPr>
-            <a:picLocks noChangeAspect="1"/>
-          </p:cNvPicPr>
-          <p:nvPr/>
-        </p:nvPicPr>
-        <p:blipFill>
-          <a:blip r:embed="rId2" cstate="print"/>
-          <a:stretch>
-            <a:fillRect/>
-          </a:stretch>
-        </p:blipFill>
-        <p:spPr>
-          <a:xfrm>
-            <a:off x="8128000" y="215900"/>
-            <a:ext cx="800100" cy="800100"/>
-          </a:xfrm>
-          <a:prstGeom prst="rect">
-            <a:avLst/>
-          </a:prstGeom>
-        </p:spPr>
-      </p:pic>
-      <p:sp>
-        <p:nvSpPr>
-          <p:cNvPr id="6" name="Tekstvak 5"/>
-          <p:cNvSpPr txBox="1"/>
-          <p:nvPr/>
-        </p:nvSpPr>
-        <p:spPr>
-          <a:xfrm>
-            <a:off x="2052215" y="6169966"/>
-            <a:ext cx="4506170" cy="461665"/>
-          </a:xfrm>
-          <a:prstGeom prst="rect">
-            <a:avLst/>
-          </a:prstGeom>
-          <a:noFill/>
-        </p:spPr>
-        <p:txBody>
-          <a:bodyPr wrap="none" rtlCol="0">
-            <a:spAutoFit/>
-          </a:bodyPr>
-          <a:lstStyle/>
-          <a:p>
-            <a:r>
-              <a:rPr lang="nl-NL" dirty="0" smtClean="0"/>
-              <a:t>Resultaat – Eisen – </a:t>
-            </a:r>
-            <a:r>
-              <a:rPr lang="nl-NL" b="1" dirty="0" smtClean="0"/>
-              <a:t>UML</a:t>
-            </a:r>
-            <a:r>
-              <a:rPr lang="nl-NL" dirty="0" smtClean="0"/>
-              <a:t> - View</a:t>
-            </a:r>
-            <a:endParaRPr lang="nl-NL" dirty="0"/>
-          </a:p>
-        </p:txBody>
-      </p:sp>
-      <p:pic>
-        <p:nvPicPr>
-          <p:cNvPr id="4098" name="Picture 2"/>
-          <p:cNvPicPr>
-            <a:picLocks noChangeAspect="1" noChangeArrowheads="1"/>
-          </p:cNvPicPr>
-          <p:nvPr/>
-        </p:nvPicPr>
-        <p:blipFill>
-          <a:blip r:embed="rId3">
-            <a:extLst>
-              <a:ext uri="{28A0092B-C50C-407E-A947-70E740481C1C}">
-                <a14:useLocalDpi xmlns:a14="http://schemas.microsoft.com/office/drawing/2010/main" val="0"/>
-              </a:ext>
-            </a:extLst>
-          </a:blip>
-          <a:srcRect/>
-          <a:stretch>
-            <a:fillRect/>
-          </a:stretch>
-        </p:blipFill>
-        <p:spPr bwMode="auto">
-          <a:xfrm>
-            <a:off x="2489816" y="2088106"/>
-            <a:ext cx="4828825" cy="3821373"/>
-          </a:xfrm>
-          <a:prstGeom prst="rect">
-            <a:avLst/>
-          </a:prstGeom>
-          <a:noFill/>
-          <a:ln>
-            <a:noFill/>
-          </a:ln>
-          <a:extLst>
-            <a:ext uri="{909E8E84-426E-40DD-AFC4-6F175D3DCCD1}">
-              <a14:hiddenFill xmlns:a14="http://schemas.microsoft.com/office/drawing/2010/main">
-                <a:solidFill>
-                  <a:schemeClr val="accent1"/>
-                </a:solidFill>
-              </a14:hiddenFill>
-            </a:ext>
-            <a:ext uri="{91240B29-F687-4F45-9708-019B960494DF}">
-              <a14:hiddenLine xmlns:a14="http://schemas.microsoft.com/office/drawing/2010/main" w="9525">
-                <a:solidFill>
-                  <a:schemeClr val="tx1"/>
-                </a:solidFill>
-                <a:miter lim="800000"/>
-                <a:headEnd/>
-                <a:tailEnd/>
-              </a14:hiddenLine>
-            </a:ext>
-          </a:extLst>
-        </p:spPr>
-      </p:pic>
-    </p:spTree>
-  </p:cSld>
-  <p:clrMapOvr>
-    <a:masterClrMapping/>
-  </p:clrMapOvr>
-  <p:timing>
-    <p:tnLst>
-      <p:par>
-        <p:cTn id="1" dur="indefinite" restart="never" nodeType="tmRoot"/>
-      </p:par>
-    </p:tnLst>
-  </p:timing>
-</p:sld>
-</file>
-
-<file path=ppt/slides/slide14.xml><?xml version="1.0" encoding="utf-8"?>
-<p:sld xmlns:a="http://schemas.openxmlformats.org/drawingml/2006/main" xmlns:r="http://schemas.openxmlformats.org/officeDocument/2006/relationships" xmlns:p="http://schemas.openxmlformats.org/presentationml/2006/main">
-  <p:cSld>
-    <p:spTree>
-      <p:nvGrpSpPr>
-        <p:cNvPr id="1" name=""/>
-        <p:cNvGrpSpPr/>
-        <p:nvPr/>
-      </p:nvGrpSpPr>
-      <p:grpSpPr>
-        <a:xfrm>
-          <a:off x="0" y="0"/>
-          <a:ext cx="0" cy="0"/>
-          <a:chOff x="0" y="0"/>
-          <a:chExt cx="0" cy="0"/>
-        </a:xfrm>
-      </p:grpSpPr>
-      <p:sp>
-        <p:nvSpPr>
-          <p:cNvPr id="2" name="Titel 1"/>
-          <p:cNvSpPr>
-            <a:spLocks noGrp="1"/>
-          </p:cNvSpPr>
-          <p:nvPr>
-            <p:ph type="title"/>
-          </p:nvPr>
-        </p:nvSpPr>
-        <p:spPr/>
-        <p:txBody>
-          <a:bodyPr/>
-          <a:lstStyle/>
-          <a:p>
-            <a:r>
-              <a:rPr lang="nl-NL" dirty="0" smtClean="0">
-                <a:latin typeface="+mn-lt"/>
-              </a:rPr>
-              <a:t>UML &gt; View</a:t>
-            </a:r>
-            <a:endParaRPr lang="nl-NL" dirty="0">
-              <a:latin typeface="+mn-lt"/>
-            </a:endParaRPr>
-          </a:p>
-        </p:txBody>
-      </p:sp>
-      <p:pic>
-        <p:nvPicPr>
-          <p:cNvPr id="4" name="Afbeelding 3" descr="applicationIcon-128x128.png"/>
-          <p:cNvPicPr>
-            <a:picLocks noChangeAspect="1"/>
-          </p:cNvPicPr>
-          <p:nvPr/>
-        </p:nvPicPr>
-        <p:blipFill>
-          <a:blip r:embed="rId2" cstate="print"/>
-          <a:stretch>
-            <a:fillRect/>
-          </a:stretch>
-        </p:blipFill>
-        <p:spPr>
-          <a:xfrm>
-            <a:off x="8128000" y="215900"/>
-            <a:ext cx="800100" cy="800100"/>
-          </a:xfrm>
-          <a:prstGeom prst="rect">
-            <a:avLst/>
-          </a:prstGeom>
-        </p:spPr>
-      </p:pic>
-      <p:sp>
-        <p:nvSpPr>
-          <p:cNvPr id="5" name="Tekstvak 4"/>
-          <p:cNvSpPr txBox="1"/>
-          <p:nvPr/>
-        </p:nvSpPr>
-        <p:spPr>
-          <a:xfrm>
-            <a:off x="2038589" y="6169966"/>
-            <a:ext cx="4533421" cy="461665"/>
-          </a:xfrm>
-          <a:prstGeom prst="rect">
-            <a:avLst/>
-          </a:prstGeom>
-          <a:noFill/>
-        </p:spPr>
-        <p:txBody>
-          <a:bodyPr wrap="none" rtlCol="0">
-            <a:spAutoFit/>
-          </a:bodyPr>
-          <a:lstStyle/>
-          <a:p>
-            <a:r>
-              <a:rPr lang="nl-NL" dirty="0" smtClean="0"/>
-              <a:t>Resultaat – Eisen – UML - </a:t>
-            </a:r>
-            <a:r>
-              <a:rPr lang="nl-NL" b="1" dirty="0" smtClean="0"/>
-              <a:t>View</a:t>
-            </a:r>
-            <a:endParaRPr lang="nl-NL" b="1" dirty="0"/>
-          </a:p>
-        </p:txBody>
-      </p:sp>
-      <p:pic>
-        <p:nvPicPr>
-          <p:cNvPr id="14338" name="Picture 2"/>
-          <p:cNvPicPr>
-            <a:picLocks noChangeAspect="1" noChangeArrowheads="1"/>
-          </p:cNvPicPr>
-          <p:nvPr/>
-        </p:nvPicPr>
-        <p:blipFill>
-          <a:blip r:embed="rId3">
-            <a:extLst>
-              <a:ext uri="{28A0092B-C50C-407E-A947-70E740481C1C}">
-                <a14:useLocalDpi xmlns:a14="http://schemas.microsoft.com/office/drawing/2010/main" val="0"/>
-              </a:ext>
-            </a:extLst>
-          </a:blip>
-          <a:srcRect/>
-          <a:stretch>
-            <a:fillRect/>
-          </a:stretch>
-        </p:blipFill>
-        <p:spPr bwMode="auto">
-          <a:xfrm>
-            <a:off x="1585913" y="1016000"/>
-            <a:ext cx="5972175" cy="5038725"/>
-          </a:xfrm>
-          <a:prstGeom prst="rect">
-            <a:avLst/>
-          </a:prstGeom>
-          <a:noFill/>
-          <a:ln>
-            <a:noFill/>
-          </a:ln>
-          <a:extLst>
-            <a:ext uri="{909E8E84-426E-40DD-AFC4-6F175D3DCCD1}">
-              <a14:hiddenFill xmlns:a14="http://schemas.microsoft.com/office/drawing/2010/main">
-                <a:solidFill>
-                  <a:schemeClr val="accent1"/>
-                </a:solidFill>
-              </a14:hiddenFill>
-            </a:ext>
-            <a:ext uri="{91240B29-F687-4F45-9708-019B960494DF}">
-              <a14:hiddenLine xmlns:a14="http://schemas.microsoft.com/office/drawing/2010/main" w="9525">
-                <a:solidFill>
-                  <a:schemeClr val="tx1"/>
-                </a:solidFill>
-                <a:miter lim="800000"/>
-                <a:headEnd/>
-                <a:tailEnd/>
-              </a14:hiddenLine>
-            </a:ext>
-          </a:extLst>
-        </p:spPr>
-      </p:pic>
-    </p:spTree>
-  </p:cSld>
-  <p:clrMapOvr>
-    <a:masterClrMapping/>
-  </p:clrMapOvr>
-  <p:timing>
-    <p:tnLst>
-      <p:par>
-        <p:cTn id="1" dur="indefinite" restart="never" nodeType="tmRoot"/>
-      </p:par>
-    </p:tnLst>
-  </p:timing>
-</p:sld>
-</file>
-
-<file path=ppt/slides/slide15.xml><?xml version="1.0" encoding="utf-8"?>
-<p:sld xmlns:a="http://schemas.openxmlformats.org/drawingml/2006/main" xmlns:r="http://schemas.openxmlformats.org/officeDocument/2006/relationships" xmlns:p="http://schemas.openxmlformats.org/presentationml/2006/main">
-  <p:cSld>
-    <p:spTree>
-      <p:nvGrpSpPr>
-        <p:cNvPr id="1" name=""/>
-        <p:cNvGrpSpPr/>
-        <p:nvPr/>
-      </p:nvGrpSpPr>
-      <p:grpSpPr>
-        <a:xfrm>
-          <a:off x="0" y="0"/>
-          <a:ext cx="0" cy="0"/>
-          <a:chOff x="0" y="0"/>
-          <a:chExt cx="0" cy="0"/>
-        </a:xfrm>
-      </p:grpSpPr>
-      <p:sp>
-        <p:nvSpPr>
-          <p:cNvPr id="2" name="Titel 1"/>
-          <p:cNvSpPr>
-            <a:spLocks noGrp="1"/>
-          </p:cNvSpPr>
-          <p:nvPr>
-            <p:ph type="title"/>
-          </p:nvPr>
-        </p:nvSpPr>
-        <p:spPr/>
-        <p:txBody>
-          <a:bodyPr/>
-          <a:lstStyle/>
-          <a:p>
-            <a:r>
-              <a:rPr lang="nl-NL" dirty="0" smtClean="0">
-                <a:latin typeface="+mn-lt"/>
-              </a:rPr>
-              <a:t>View </a:t>
-            </a:r>
-            <a:endParaRPr lang="nl-NL" dirty="0">
-              <a:latin typeface="+mn-lt"/>
-            </a:endParaRPr>
-          </a:p>
-        </p:txBody>
-      </p:sp>
-      <p:sp>
-        <p:nvSpPr>
-          <p:cNvPr id="3" name="Tijdelijke aanduiding voor inhoud 2"/>
-          <p:cNvSpPr>
-            <a:spLocks noGrp="1"/>
-          </p:cNvSpPr>
-          <p:nvPr>
-            <p:ph idx="1"/>
-          </p:nvPr>
-        </p:nvSpPr>
-        <p:spPr/>
-        <p:txBody>
-          <a:bodyPr/>
-          <a:lstStyle/>
-          <a:p>
-            <a:r>
-              <a:rPr lang="nl-NL" dirty="0" smtClean="0"/>
-              <a:t>De grafische </a:t>
-            </a:r>
-            <a:r>
-              <a:rPr lang="nl-NL" dirty="0" err="1" smtClean="0"/>
-              <a:t>userinterface</a:t>
-            </a:r>
-            <a:endParaRPr lang="nl-NL" dirty="0" smtClean="0"/>
-          </a:p>
-          <a:p>
-            <a:endParaRPr lang="nl-NL" dirty="0" smtClean="0"/>
-          </a:p>
-          <a:p>
-            <a:endParaRPr lang="nl-NL" dirty="0" smtClean="0"/>
-          </a:p>
-          <a:p>
-            <a:pPr>
-              <a:buNone/>
-            </a:pPr>
-            <a:endParaRPr lang="nl-NL" dirty="0" smtClean="0"/>
-          </a:p>
-          <a:p>
-            <a:endParaRPr lang="nl-NL" dirty="0"/>
-          </a:p>
-        </p:txBody>
-      </p:sp>
-      <p:pic>
-        <p:nvPicPr>
-          <p:cNvPr id="4" name="Afbeelding 3" descr="applicationIcon-128x128.png"/>
-          <p:cNvPicPr>
-            <a:picLocks noChangeAspect="1"/>
-          </p:cNvPicPr>
-          <p:nvPr/>
-        </p:nvPicPr>
-        <p:blipFill>
-          <a:blip r:embed="rId2" cstate="print"/>
-          <a:stretch>
-            <a:fillRect/>
-          </a:stretch>
-        </p:blipFill>
-        <p:spPr>
-          <a:xfrm>
-            <a:off x="8128000" y="215900"/>
-            <a:ext cx="800100" cy="800100"/>
-          </a:xfrm>
-          <a:prstGeom prst="rect">
-            <a:avLst/>
-          </a:prstGeom>
-        </p:spPr>
-      </p:pic>
-      <p:sp>
-        <p:nvSpPr>
-          <p:cNvPr id="7" name="Tekstvak 6"/>
-          <p:cNvSpPr txBox="1"/>
-          <p:nvPr/>
-        </p:nvSpPr>
-        <p:spPr>
-          <a:xfrm>
-            <a:off x="2038589" y="6169966"/>
-            <a:ext cx="4533421" cy="461665"/>
-          </a:xfrm>
-          <a:prstGeom prst="rect">
-            <a:avLst/>
-          </a:prstGeom>
-          <a:noFill/>
-        </p:spPr>
-        <p:txBody>
-          <a:bodyPr wrap="none" rtlCol="0">
-            <a:spAutoFit/>
-          </a:bodyPr>
-          <a:lstStyle/>
-          <a:p>
-            <a:r>
-              <a:rPr lang="nl-NL" dirty="0" smtClean="0"/>
-              <a:t>Resultaat – Eisen – UML - </a:t>
-            </a:r>
-            <a:r>
-              <a:rPr lang="nl-NL" b="1" dirty="0" smtClean="0"/>
-              <a:t>View</a:t>
-            </a:r>
-            <a:endParaRPr lang="nl-NL" b="1" dirty="0"/>
-          </a:p>
-        </p:txBody>
-      </p:sp>
-      <p:pic>
-        <p:nvPicPr>
-          <p:cNvPr id="5122" name="Picture 2"/>
-          <p:cNvPicPr>
-            <a:picLocks noChangeAspect="1" noChangeArrowheads="1"/>
-          </p:cNvPicPr>
-          <p:nvPr/>
-        </p:nvPicPr>
-        <p:blipFill>
-          <a:blip r:embed="rId3">
-            <a:extLst>
-              <a:ext uri="{28A0092B-C50C-407E-A947-70E740481C1C}">
-                <a14:useLocalDpi xmlns:a14="http://schemas.microsoft.com/office/drawing/2010/main" val="0"/>
-              </a:ext>
-            </a:extLst>
-          </a:blip>
-          <a:srcRect/>
-          <a:stretch>
-            <a:fillRect/>
-          </a:stretch>
-        </p:blipFill>
-        <p:spPr bwMode="auto">
-          <a:xfrm>
-            <a:off x="366251" y="2757984"/>
-            <a:ext cx="8464634" cy="2851245"/>
-          </a:xfrm>
-          <a:prstGeom prst="rect">
-            <a:avLst/>
-          </a:prstGeom>
-          <a:noFill/>
-          <a:ln>
-            <a:noFill/>
-          </a:ln>
-          <a:extLst>
-            <a:ext uri="{909E8E84-426E-40DD-AFC4-6F175D3DCCD1}">
-              <a14:hiddenFill xmlns:a14="http://schemas.microsoft.com/office/drawing/2010/main">
-                <a:solidFill>
-                  <a:schemeClr val="accent1"/>
-                </a:solidFill>
-              </a14:hiddenFill>
-            </a:ext>
-            <a:ext uri="{91240B29-F687-4F45-9708-019B960494DF}">
-              <a14:hiddenLine xmlns:a14="http://schemas.microsoft.com/office/drawing/2010/main" w="9525">
-                <a:solidFill>
-                  <a:schemeClr val="tx1"/>
-                </a:solidFill>
-                <a:miter lim="800000"/>
-                <a:headEnd/>
-                <a:tailEnd/>
-              </a14:hiddenLine>
-            </a:ext>
-          </a:extLst>
-        </p:spPr>
-      </p:pic>
-    </p:spTree>
-  </p:cSld>
-  <p:clrMapOvr>
-    <a:masterClrMapping/>
-  </p:clrMapOvr>
-  <p:timing>
-    <p:tnLst>
-      <p:par>
-        <p:cTn id="1" dur="indefinite" restart="never" nodeType="tmRoot"/>
-      </p:par>
-    </p:tnLst>
-  </p:timing>
-</p:sld>
-</file>
-
-<file path=ppt/slides/slide16.xml><?xml version="1.0" encoding="utf-8"?>
-<p:sld xmlns:a="http://schemas.openxmlformats.org/drawingml/2006/main" xmlns:r="http://schemas.openxmlformats.org/officeDocument/2006/relationships" xmlns:p="http://schemas.openxmlformats.org/presentationml/2006/main">
-  <p:cSld>
-    <p:spTree>
-      <p:nvGrpSpPr>
-        <p:cNvPr id="1" name=""/>
-        <p:cNvGrpSpPr/>
-        <p:nvPr/>
-      </p:nvGrpSpPr>
-      <p:grpSpPr>
-        <a:xfrm>
-          <a:off x="0" y="0"/>
-          <a:ext cx="0" cy="0"/>
-          <a:chOff x="0" y="0"/>
-          <a:chExt cx="0" cy="0"/>
-        </a:xfrm>
-      </p:grpSpPr>
-      <p:sp>
-        <p:nvSpPr>
-          <p:cNvPr id="2" name="Titel 1"/>
-          <p:cNvSpPr>
-            <a:spLocks noGrp="1"/>
-          </p:cNvSpPr>
-          <p:nvPr>
-            <p:ph type="title"/>
-          </p:nvPr>
-        </p:nvSpPr>
-        <p:spPr/>
-        <p:txBody>
-          <a:bodyPr/>
-          <a:lstStyle/>
-          <a:p>
-            <a:r>
-              <a:rPr lang="nl-NL" dirty="0" smtClean="0">
-                <a:latin typeface="+mn-lt"/>
-              </a:rPr>
-              <a:t>View</a:t>
-            </a:r>
-            <a:endParaRPr lang="nl-NL" dirty="0">
-              <a:latin typeface="+mn-lt"/>
-            </a:endParaRPr>
-          </a:p>
-        </p:txBody>
-      </p:sp>
-      <p:sp>
-        <p:nvSpPr>
-          <p:cNvPr id="3" name="Tijdelijke aanduiding voor inhoud 2"/>
-          <p:cNvSpPr>
-            <a:spLocks noGrp="1"/>
-          </p:cNvSpPr>
-          <p:nvPr>
-            <p:ph idx="1"/>
-          </p:nvPr>
-        </p:nvSpPr>
-        <p:spPr/>
-        <p:txBody>
-          <a:bodyPr/>
-          <a:lstStyle/>
-          <a:p>
             <a:endParaRPr lang="nl-NL"/>
-          </a:p>
-        </p:txBody>
-      </p:sp>
-      <p:sp>
-        <p:nvSpPr>
-          <p:cNvPr id="4" name="Tekstvak 3"/>
-          <p:cNvSpPr txBox="1"/>
-          <p:nvPr/>
-        </p:nvSpPr>
-        <p:spPr>
-          <a:xfrm>
-            <a:off x="2038589" y="6169966"/>
-            <a:ext cx="4533421" cy="461665"/>
-          </a:xfrm>
-          <a:prstGeom prst="rect">
-            <a:avLst/>
-          </a:prstGeom>
-          <a:noFill/>
-        </p:spPr>
-        <p:txBody>
-          <a:bodyPr wrap="none" rtlCol="0">
-            <a:spAutoFit/>
-          </a:bodyPr>
-          <a:lstStyle/>
-          <a:p>
-            <a:r>
-              <a:rPr lang="nl-NL" dirty="0" smtClean="0"/>
-              <a:t>Resultaat – Eisen – UML - </a:t>
-            </a:r>
-            <a:r>
-              <a:rPr lang="nl-NL" b="1" dirty="0" smtClean="0"/>
-              <a:t>View</a:t>
-            </a:r>
-            <a:endParaRPr lang="nl-NL" b="1" dirty="0"/>
           </a:p>
         </p:txBody>
       </p:sp>
@@ -6524,7 +5687,7 @@
 </p:sld>
 </file>
 
-<file path=ppt/slides/slide17.xml><?xml version="1.0" encoding="utf-8"?>
+<file path=ppt/slides/slide4.xml><?xml version="1.0" encoding="utf-8"?>
 <p:sld xmlns:a="http://schemas.openxmlformats.org/drawingml/2006/main" xmlns:r="http://schemas.openxmlformats.org/officeDocument/2006/relationships" xmlns:p="http://schemas.openxmlformats.org/presentationml/2006/main">
   <p:cSld>
     <p:spTree>
@@ -6560,7 +5723,13 @@
               <a:rPr lang="nl-NL" dirty="0" smtClean="0">
                 <a:latin typeface="+mn-lt"/>
               </a:rPr>
-              <a:t>View </a:t>
+              <a:t>Cijfers</a:t>
+            </a:r>
+            <a:r>
+              <a:rPr lang="nl-NL" dirty="0" smtClean="0">
+                <a:latin typeface="+mn-lt"/>
+              </a:rPr>
+              <a:t> </a:t>
             </a:r>
             <a:endParaRPr lang="nl-NL" dirty="0">
               <a:latin typeface="+mn-lt"/>
@@ -6584,40 +5753,6 @@
           <a:lstStyle/>
           <a:p>
             <a:endParaRPr lang="nl-NL"/>
-          </a:p>
-        </p:txBody>
-      </p:sp>
-      <p:sp>
-        <p:nvSpPr>
-          <p:cNvPr id="7" name="Tekstvak 6"/>
-          <p:cNvSpPr txBox="1"/>
-          <p:nvPr/>
-        </p:nvSpPr>
-        <p:spPr>
-          <a:xfrm>
-            <a:off x="2038589" y="6169966"/>
-            <a:ext cx="4533421" cy="461665"/>
-          </a:xfrm>
-          <a:prstGeom prst="rect">
-            <a:avLst/>
-          </a:prstGeom>
-          <a:noFill/>
-        </p:spPr>
-        <p:txBody>
-          <a:bodyPr wrap="none" rtlCol="0">
-            <a:spAutoFit/>
-          </a:bodyPr>
-          <a:lstStyle/>
-          <a:p>
-            <a:r>
-              <a:rPr lang="nl-NL" dirty="0" smtClean="0"/>
-              <a:t>Resultaat – Eisen – UML - </a:t>
-            </a:r>
-            <a:r>
-              <a:rPr lang="nl-NL" b="1" dirty="0" smtClean="0"/>
-              <a:t>View</a:t>
-            </a:r>
-            <a:endParaRPr lang="nl-NL" b="1" dirty="0"/>
           </a:p>
         </p:txBody>
       </p:sp>
@@ -6695,7 +5830,7 @@
 </p:sld>
 </file>
 
-<file path=ppt/slides/slide18.xml><?xml version="1.0" encoding="utf-8"?>
+<file path=ppt/slides/slide5.xml><?xml version="1.0" encoding="utf-8"?>
 <p:sld xmlns:a="http://schemas.openxmlformats.org/drawingml/2006/main" xmlns:r="http://schemas.openxmlformats.org/officeDocument/2006/relationships" xmlns:p="http://schemas.openxmlformats.org/presentationml/2006/main">
   <p:cSld>
     <p:spTree>
@@ -6731,7 +5866,7 @@
               <a:rPr lang="nl-NL" dirty="0" smtClean="0">
                 <a:latin typeface="+mn-lt"/>
               </a:rPr>
-              <a:t>View</a:t>
+              <a:t>Formules</a:t>
             </a:r>
             <a:endParaRPr lang="nl-NL" dirty="0">
               <a:latin typeface="+mn-lt"/>
@@ -6754,47 +5889,195 @@
           <a:bodyPr/>
           <a:lstStyle/>
           <a:p>
-            <a:endParaRPr lang="nl-NL"/>
-          </a:p>
-        </p:txBody>
-      </p:sp>
-      <p:sp>
-        <p:nvSpPr>
-          <p:cNvPr id="7" name="Tekstvak 6"/>
-          <p:cNvSpPr txBox="1"/>
+            <a:r>
+              <a:rPr lang="nl-NL" dirty="0" err="1" smtClean="0"/>
+              <a:t>Average</a:t>
+            </a:r>
+            <a:endParaRPr lang="nl-NL" dirty="0" smtClean="0"/>
+          </a:p>
+          <a:p>
+            <a:r>
+              <a:rPr lang="nl-NL" dirty="0" err="1" smtClean="0"/>
+              <a:t>Nested</a:t>
+            </a:r>
+            <a:endParaRPr lang="nl-NL" dirty="0"/>
+          </a:p>
+        </p:txBody>
+      </p:sp>
+      <p:pic>
+        <p:nvPicPr>
+          <p:cNvPr id="4" name="Afbeelding 3"/>
+          <p:cNvPicPr>
+            <a:picLocks noChangeAspect="1"/>
+          </p:cNvPicPr>
           <p:nvPr/>
-        </p:nvSpPr>
+        </p:nvPicPr>
+        <p:blipFill>
+          <a:blip r:embed="rId2">
+            <a:extLst>
+              <a:ext uri="{28A0092B-C50C-407E-A947-70E740481C1C}">
+                <a14:useLocalDpi xmlns:a14="http://schemas.microsoft.com/office/drawing/2010/main" val="0"/>
+              </a:ext>
+            </a:extLst>
+          </a:blip>
+          <a:stretch>
+            <a:fillRect/>
+          </a:stretch>
+        </p:blipFill>
         <p:spPr>
           <a:xfrm>
-            <a:off x="2038589" y="6169966"/>
-            <a:ext cx="4533421" cy="461665"/>
+            <a:off x="321417" y="3018366"/>
+            <a:ext cx="4606310" cy="3005635"/>
+          </a:xfrm>
+          <a:prstGeom prst="rect">
+            <a:avLst/>
+          </a:prstGeom>
+        </p:spPr>
+      </p:pic>
+      <p:pic>
+        <p:nvPicPr>
+          <p:cNvPr id="5" name="Picture 2"/>
+          <p:cNvPicPr>
+            <a:picLocks noChangeAspect="1" noChangeArrowheads="1"/>
+          </p:cNvPicPr>
+          <p:nvPr/>
+        </p:nvPicPr>
+        <p:blipFill>
+          <a:blip r:embed="rId3">
+            <a:extLst>
+              <a:ext uri="{28A0092B-C50C-407E-A947-70E740481C1C}">
+                <a14:useLocalDpi xmlns:a14="http://schemas.microsoft.com/office/drawing/2010/main" val="0"/>
+              </a:ext>
+            </a:extLst>
+          </a:blip>
+          <a:srcRect/>
+          <a:stretch>
+            <a:fillRect/>
+          </a:stretch>
+        </p:blipFill>
+        <p:spPr bwMode="auto">
+          <a:xfrm>
+            <a:off x="5073092" y="559558"/>
+            <a:ext cx="4070907" cy="4586436"/>
           </a:xfrm>
           <a:prstGeom prst="rect">
             <a:avLst/>
           </a:prstGeom>
           <a:noFill/>
+          <a:ln>
+            <a:noFill/>
+          </a:ln>
+          <a:extLst>
+            <a:ext uri="{909E8E84-426E-40DD-AFC4-6F175D3DCCD1}">
+              <a14:hiddenFill xmlns:a14="http://schemas.microsoft.com/office/drawing/2010/main">
+                <a:solidFill>
+                  <a:schemeClr val="accent1"/>
+                </a:solidFill>
+              </a14:hiddenFill>
+            </a:ext>
+            <a:ext uri="{91240B29-F687-4F45-9708-019B960494DF}">
+              <a14:hiddenLine xmlns:a14="http://schemas.microsoft.com/office/drawing/2010/main" w="9525">
+                <a:solidFill>
+                  <a:schemeClr val="tx1"/>
+                </a:solidFill>
+                <a:miter lim="800000"/>
+                <a:headEnd/>
+                <a:tailEnd/>
+              </a14:hiddenLine>
+            </a:ext>
+          </a:extLst>
         </p:spPr>
-        <p:txBody>
-          <a:bodyPr wrap="none" rtlCol="0">
-            <a:spAutoFit/>
-          </a:bodyPr>
+      </p:pic>
+    </p:spTree>
+    <p:extLst>
+      <p:ext uri="{BB962C8B-B14F-4D97-AF65-F5344CB8AC3E}">
+        <p14:creationId xmlns:p14="http://schemas.microsoft.com/office/powerpoint/2010/main" val="3061066294"/>
+      </p:ext>
+    </p:extLst>
+  </p:cSld>
+  <p:clrMapOvr>
+    <a:masterClrMapping/>
+  </p:clrMapOvr>
+</p:sld>
+</file>
+
+<file path=ppt/slides/slide6.xml><?xml version="1.0" encoding="utf-8"?>
+<p:sld xmlns:a="http://schemas.openxmlformats.org/drawingml/2006/main" xmlns:r="http://schemas.openxmlformats.org/officeDocument/2006/relationships" xmlns:p="http://schemas.openxmlformats.org/presentationml/2006/main">
+  <p:cSld>
+    <p:spTree>
+      <p:nvGrpSpPr>
+        <p:cNvPr id="1" name=""/>
+        <p:cNvGrpSpPr/>
+        <p:nvPr/>
+      </p:nvGrpSpPr>
+      <p:grpSpPr>
+        <a:xfrm>
+          <a:off x="0" y="0"/>
+          <a:ext cx="0" cy="0"/>
+          <a:chOff x="0" y="0"/>
+          <a:chExt cx="0" cy="0"/>
+        </a:xfrm>
+      </p:grpSpPr>
+      <p:sp>
+        <p:nvSpPr>
+          <p:cNvPr id="2" name="Titel 1"/>
+          <p:cNvSpPr>
+            <a:spLocks noGrp="1"/>
+          </p:cNvSpPr>
+          <p:nvPr>
+            <p:ph type="title"/>
+          </p:nvPr>
+        </p:nvSpPr>
+        <p:spPr/>
+        <p:txBody>
+          <a:bodyPr/>
           <a:lstStyle/>
           <a:p>
             <a:r>
+              <a:rPr lang="nl-NL" dirty="0" smtClean="0">
+                <a:latin typeface="+mn-lt"/>
+              </a:rPr>
+              <a:t>Save</a:t>
+            </a:r>
+            <a:endParaRPr lang="nl-NL" dirty="0">
+              <a:latin typeface="+mn-lt"/>
+            </a:endParaRPr>
+          </a:p>
+        </p:txBody>
+      </p:sp>
+      <p:sp>
+        <p:nvSpPr>
+          <p:cNvPr id="3" name="Tijdelijke aanduiding voor inhoud 2"/>
+          <p:cNvSpPr>
+            <a:spLocks noGrp="1"/>
+          </p:cNvSpPr>
+          <p:nvPr>
+            <p:ph idx="1"/>
+          </p:nvPr>
+        </p:nvSpPr>
+        <p:spPr/>
+        <p:txBody>
+          <a:bodyPr/>
+          <a:lstStyle/>
+          <a:p>
+            <a:r>
               <a:rPr lang="nl-NL" dirty="0" smtClean="0"/>
-              <a:t>Resultaat – Eisen – UML - </a:t>
-            </a:r>
-            <a:r>
-              <a:rPr lang="nl-NL" b="1" dirty="0" smtClean="0"/>
-              <a:t>View</a:t>
-            </a:r>
-            <a:endParaRPr lang="nl-NL" b="1" dirty="0"/>
+              <a:t>Writer via </a:t>
+            </a:r>
+            <a:r>
+              <a:rPr lang="nl-NL" dirty="0" err="1" smtClean="0"/>
+              <a:t>XmlDriver</a:t>
+            </a:r>
+            <a:endParaRPr lang="nl-NL" dirty="0" smtClean="0"/>
+          </a:p>
+          <a:p>
+            <a:endParaRPr lang="nl-NL" dirty="0"/>
           </a:p>
         </p:txBody>
       </p:sp>
       <p:pic>
         <p:nvPicPr>
-          <p:cNvPr id="3077" name="Picture 5"/>
+          <p:cNvPr id="1026" name="Picture 2"/>
           <p:cNvPicPr>
             <a:picLocks noChangeAspect="1" noChangeArrowheads="1"/>
           </p:cNvPicPr>
@@ -6815,8 +6098,8 @@
         </p:blipFill>
         <p:spPr bwMode="auto">
           <a:xfrm>
-            <a:off x="0" y="1303861"/>
-            <a:ext cx="9144000" cy="4866105"/>
+            <a:off x="4305300" y="1161899"/>
+            <a:ext cx="4648308" cy="1760560"/>
           </a:xfrm>
           <a:prstGeom prst="rect">
             <a:avLst/>
@@ -6846,1736 +6129,9 @@
           </a:extLst>
         </p:spPr>
       </p:pic>
-    </p:spTree>
-    <p:extLst>
-      <p:ext uri="{BB962C8B-B14F-4D97-AF65-F5344CB8AC3E}">
-        <p14:creationId xmlns:p14="http://schemas.microsoft.com/office/powerpoint/2010/main" val="572847416"/>
-      </p:ext>
-    </p:extLst>
-  </p:cSld>
-  <p:clrMapOvr>
-    <a:masterClrMapping/>
-  </p:clrMapOvr>
-  <p:timing>
-    <p:tnLst>
-      <p:par>
-        <p:cTn id="1" dur="indefinite" restart="never" nodeType="tmRoot"/>
-      </p:par>
-    </p:tnLst>
-  </p:timing>
-</p:sld>
-</file>
-
-<file path=ppt/slides/slide19.xml><?xml version="1.0" encoding="utf-8"?>
-<p:sld xmlns:a="http://schemas.openxmlformats.org/drawingml/2006/main" xmlns:r="http://schemas.openxmlformats.org/officeDocument/2006/relationships" xmlns:p="http://schemas.openxmlformats.org/presentationml/2006/main">
-  <p:cSld>
-    <p:spTree>
-      <p:nvGrpSpPr>
-        <p:cNvPr id="1" name=""/>
-        <p:cNvGrpSpPr/>
-        <p:nvPr/>
-      </p:nvGrpSpPr>
-      <p:grpSpPr>
-        <a:xfrm>
-          <a:off x="0" y="0"/>
-          <a:ext cx="0" cy="0"/>
-          <a:chOff x="0" y="0"/>
-          <a:chExt cx="0" cy="0"/>
-        </a:xfrm>
-      </p:grpSpPr>
-      <p:sp>
-        <p:nvSpPr>
-          <p:cNvPr id="2" name="Titel 1"/>
-          <p:cNvSpPr>
-            <a:spLocks noGrp="1"/>
-          </p:cNvSpPr>
-          <p:nvPr>
-            <p:ph type="title"/>
-          </p:nvPr>
-        </p:nvSpPr>
-        <p:spPr/>
-        <p:txBody>
-          <a:bodyPr/>
-          <a:lstStyle/>
-          <a:p>
-            <a:r>
-              <a:rPr lang="nl-NL" dirty="0" smtClean="0">
-                <a:latin typeface="+mn-lt"/>
-              </a:rPr>
-              <a:t>View</a:t>
-            </a:r>
-            <a:endParaRPr lang="nl-NL" dirty="0">
-              <a:latin typeface="+mn-lt"/>
-            </a:endParaRPr>
-          </a:p>
-        </p:txBody>
-      </p:sp>
-      <p:sp>
-        <p:nvSpPr>
-          <p:cNvPr id="3" name="Tijdelijke aanduiding voor inhoud 2"/>
-          <p:cNvSpPr>
-            <a:spLocks noGrp="1"/>
-          </p:cNvSpPr>
-          <p:nvPr>
-            <p:ph idx="1"/>
-          </p:nvPr>
-        </p:nvSpPr>
-        <p:spPr/>
-        <p:txBody>
-          <a:bodyPr/>
-          <a:lstStyle/>
-          <a:p>
-            <a:endParaRPr lang="nl-NL"/>
-          </a:p>
-        </p:txBody>
-      </p:sp>
-      <p:sp>
-        <p:nvSpPr>
-          <p:cNvPr id="4" name="Tekstvak 3"/>
-          <p:cNvSpPr txBox="1"/>
-          <p:nvPr/>
-        </p:nvSpPr>
-        <p:spPr>
-          <a:xfrm>
-            <a:off x="2038589" y="6169966"/>
-            <a:ext cx="4533421" cy="461665"/>
-          </a:xfrm>
-          <a:prstGeom prst="rect">
-            <a:avLst/>
-          </a:prstGeom>
-          <a:noFill/>
-        </p:spPr>
-        <p:txBody>
-          <a:bodyPr wrap="none" rtlCol="0">
-            <a:spAutoFit/>
-          </a:bodyPr>
-          <a:lstStyle/>
-          <a:p>
-            <a:r>
-              <a:rPr lang="nl-NL" dirty="0" smtClean="0"/>
-              <a:t>Resultaat – Eisen – UML - </a:t>
-            </a:r>
-            <a:r>
-              <a:rPr lang="nl-NL" b="1" dirty="0" smtClean="0"/>
-              <a:t>View</a:t>
-            </a:r>
-            <a:endParaRPr lang="nl-NL" b="1" dirty="0"/>
-          </a:p>
-        </p:txBody>
-      </p:sp>
       <p:pic>
         <p:nvPicPr>
-          <p:cNvPr id="5122" name="Picture 2"/>
-          <p:cNvPicPr>
-            <a:picLocks noChangeAspect="1" noChangeArrowheads="1"/>
-          </p:cNvPicPr>
-          <p:nvPr/>
-        </p:nvPicPr>
-        <p:blipFill>
-          <a:blip r:embed="rId2">
-            <a:extLst>
-              <a:ext uri="{28A0092B-C50C-407E-A947-70E740481C1C}">
-                <a14:useLocalDpi xmlns:a14="http://schemas.microsoft.com/office/drawing/2010/main" val="0"/>
-              </a:ext>
-            </a:extLst>
-          </a:blip>
-          <a:srcRect/>
-          <a:stretch>
-            <a:fillRect/>
-          </a:stretch>
-        </p:blipFill>
-        <p:spPr bwMode="auto">
-          <a:xfrm>
-            <a:off x="-1388" y="1310227"/>
-            <a:ext cx="9145388" cy="4859739"/>
-          </a:xfrm>
-          <a:prstGeom prst="rect">
-            <a:avLst/>
-          </a:prstGeom>
-          <a:noFill/>
-          <a:ln>
-            <a:noFill/>
-          </a:ln>
-          <a:extLst>
-            <a:ext uri="{909E8E84-426E-40DD-AFC4-6F175D3DCCD1}">
-              <a14:hiddenFill xmlns:a14="http://schemas.microsoft.com/office/drawing/2010/main">
-                <a:solidFill>
-                  <a:schemeClr val="accent1"/>
-                </a:solidFill>
-              </a14:hiddenFill>
-            </a:ext>
-            <a:ext uri="{91240B29-F687-4F45-9708-019B960494DF}">
-              <a14:hiddenLine xmlns:a14="http://schemas.microsoft.com/office/drawing/2010/main" w="9525">
-                <a:solidFill>
-                  <a:schemeClr val="tx1"/>
-                </a:solidFill>
-                <a:miter lim="800000"/>
-                <a:headEnd/>
-                <a:tailEnd/>
-              </a14:hiddenLine>
-            </a:ext>
-          </a:extLst>
-        </p:spPr>
-      </p:pic>
-    </p:spTree>
-    <p:extLst>
-      <p:ext uri="{BB962C8B-B14F-4D97-AF65-F5344CB8AC3E}">
-        <p14:creationId xmlns:p14="http://schemas.microsoft.com/office/powerpoint/2010/main" val="1262366706"/>
-      </p:ext>
-    </p:extLst>
-  </p:cSld>
-  <p:clrMapOvr>
-    <a:masterClrMapping/>
-  </p:clrMapOvr>
-  <p:timing>
-    <p:tnLst>
-      <p:par>
-        <p:cTn id="1" dur="indefinite" restart="never" nodeType="tmRoot"/>
-      </p:par>
-    </p:tnLst>
-  </p:timing>
-</p:sld>
-</file>
-
-<file path=ppt/slides/slide2.xml><?xml version="1.0" encoding="utf-8"?>
-<p:sld xmlns:a="http://schemas.openxmlformats.org/drawingml/2006/main" xmlns:r="http://schemas.openxmlformats.org/officeDocument/2006/relationships" xmlns:p="http://schemas.openxmlformats.org/presentationml/2006/main">
-  <p:cSld>
-    <p:spTree>
-      <p:nvGrpSpPr>
-        <p:cNvPr id="1" name=""/>
-        <p:cNvGrpSpPr/>
-        <p:nvPr/>
-      </p:nvGrpSpPr>
-      <p:grpSpPr>
-        <a:xfrm>
-          <a:off x="0" y="0"/>
-          <a:ext cx="0" cy="0"/>
-          <a:chOff x="0" y="0"/>
-          <a:chExt cx="0" cy="0"/>
-        </a:xfrm>
-      </p:grpSpPr>
-      <p:sp>
-        <p:nvSpPr>
-          <p:cNvPr id="4098" name="Title 3"/>
-          <p:cNvSpPr>
-            <a:spLocks noGrp="1"/>
-          </p:cNvSpPr>
-          <p:nvPr>
-            <p:ph type="title"/>
-          </p:nvPr>
-        </p:nvSpPr>
-        <p:spPr>
-          <a:xfrm>
-            <a:off x="917575" y="457200"/>
-            <a:ext cx="7159625" cy="627063"/>
-          </a:xfrm>
-        </p:spPr>
-        <p:txBody>
-          <a:bodyPr/>
-          <a:lstStyle/>
-          <a:p>
-            <a:pPr>
-              <a:defRPr/>
-            </a:pPr>
-            <a:r>
-              <a:rPr lang="nl-NL" altLang="nl-NL" dirty="0" smtClean="0">
-                <a:latin typeface="+mn-lt"/>
-                <a:ea typeface="ＭＳ Ｐゴシック" pitchFamily="34" charset="-128"/>
-              </a:rPr>
-              <a:t>Inhoud</a:t>
-            </a:r>
-          </a:p>
-        </p:txBody>
-      </p:sp>
-      <p:sp>
-        <p:nvSpPr>
-          <p:cNvPr id="4099" name="Content Placeholder 4"/>
-          <p:cNvSpPr>
-            <a:spLocks noGrp="1"/>
-          </p:cNvSpPr>
-          <p:nvPr>
-            <p:ph idx="1"/>
-          </p:nvPr>
-        </p:nvSpPr>
-        <p:spPr/>
-        <p:txBody>
-          <a:bodyPr/>
-          <a:lstStyle/>
-          <a:p>
-            <a:r>
-              <a:rPr lang="nl-NL" altLang="nl-NL" dirty="0" smtClean="0">
-                <a:ea typeface="ＭＳ Ｐゴシック" pitchFamily="34" charset="-128"/>
-              </a:rPr>
-              <a:t>Het resultaat</a:t>
-            </a:r>
-          </a:p>
-          <a:p>
-            <a:endParaRPr lang="nl-NL" altLang="nl-NL" dirty="0" smtClean="0">
-              <a:ea typeface="ＭＳ Ｐゴシック" pitchFamily="34" charset="-128"/>
-            </a:endParaRPr>
-          </a:p>
-          <a:p>
-            <a:r>
-              <a:rPr lang="nl-NL" altLang="nl-NL" dirty="0" smtClean="0">
-                <a:ea typeface="ＭＳ Ｐゴシック" pitchFamily="34" charset="-128"/>
-              </a:rPr>
-              <a:t>Eisen van het programma</a:t>
-            </a:r>
-          </a:p>
-          <a:p>
-            <a:pPr>
-              <a:buNone/>
-            </a:pPr>
-            <a:endParaRPr lang="nl-NL" altLang="nl-NL" dirty="0" smtClean="0">
-              <a:ea typeface="ＭＳ Ｐゴシック" pitchFamily="34" charset="-128"/>
-            </a:endParaRPr>
-          </a:p>
-          <a:p>
-            <a:r>
-              <a:rPr lang="nl-NL" altLang="nl-NL" dirty="0" smtClean="0">
-                <a:ea typeface="ＭＳ Ｐゴシック" pitchFamily="34" charset="-128"/>
-              </a:rPr>
-              <a:t>UML</a:t>
-            </a:r>
-          </a:p>
-          <a:p>
-            <a:endParaRPr lang="nl-NL" altLang="nl-NL" dirty="0" smtClean="0">
-              <a:ea typeface="ＭＳ Ｐゴシック" pitchFamily="34" charset="-128"/>
-            </a:endParaRPr>
-          </a:p>
-          <a:p>
-            <a:r>
-              <a:rPr lang="nl-NL" altLang="nl-NL" dirty="0" smtClean="0">
-                <a:ea typeface="ＭＳ Ｐゴシック" pitchFamily="34" charset="-128"/>
-              </a:rPr>
-              <a:t>View</a:t>
-            </a:r>
-          </a:p>
-          <a:p>
-            <a:endParaRPr lang="nl-NL" altLang="nl-NL" dirty="0" smtClean="0">
-              <a:ea typeface="ＭＳ Ｐゴシック" pitchFamily="34" charset="-128"/>
-            </a:endParaRPr>
-          </a:p>
-          <a:p>
-            <a:endParaRPr lang="nl-NL" altLang="nl-NL" dirty="0" smtClean="0">
-              <a:ea typeface="ＭＳ Ｐゴシック" pitchFamily="34" charset="-128"/>
-            </a:endParaRPr>
-          </a:p>
-          <a:p>
-            <a:endParaRPr lang="nl-NL" altLang="nl-NL" dirty="0" smtClean="0">
-              <a:ea typeface="ＭＳ Ｐゴシック" pitchFamily="34" charset="-128"/>
-            </a:endParaRPr>
-          </a:p>
-          <a:p>
-            <a:endParaRPr lang="nl-NL" altLang="nl-NL" dirty="0" smtClean="0">
-              <a:ea typeface="ＭＳ Ｐゴシック" pitchFamily="34" charset="-128"/>
-            </a:endParaRPr>
-          </a:p>
-          <a:p>
-            <a:endParaRPr lang="nl-NL" altLang="nl-NL" dirty="0" smtClean="0">
-              <a:ea typeface="ＭＳ Ｐゴシック" pitchFamily="34" charset="-128"/>
-            </a:endParaRPr>
-          </a:p>
-        </p:txBody>
-      </p:sp>
-      <p:sp>
-        <p:nvSpPr>
-          <p:cNvPr id="6" name="Ondertitel 2"/>
-          <p:cNvSpPr txBox="1">
-            <a:spLocks/>
-          </p:cNvSpPr>
-          <p:nvPr/>
-        </p:nvSpPr>
-        <p:spPr bwMode="auto">
-          <a:xfrm>
-            <a:off x="914400" y="1041400"/>
-            <a:ext cx="6781800" cy="474663"/>
-          </a:xfrm>
-          <a:prstGeom prst="rect">
-            <a:avLst/>
-          </a:prstGeom>
-          <a:noFill/>
-          <a:ln w="9525">
-            <a:noFill/>
-            <a:miter lim="800000"/>
-            <a:headEnd/>
-            <a:tailEnd/>
-          </a:ln>
-        </p:spPr>
-        <p:txBody>
-          <a:bodyPr lIns="0" tIns="0" rIns="0" bIns="0"/>
-          <a:lstStyle>
-            <a:lvl1pPr eaLnBrk="0" hangingPunct="0">
-              <a:defRPr sz="2400">
-                <a:solidFill>
-                  <a:schemeClr val="tx1"/>
-                </a:solidFill>
-                <a:latin typeface="Tahoma" charset="0"/>
-                <a:cs typeface="Arial" charset="0"/>
-              </a:defRPr>
-            </a:lvl1pPr>
-            <a:lvl2pPr marL="37931725" indent="-37474525" eaLnBrk="0" hangingPunct="0">
-              <a:defRPr sz="2400">
-                <a:solidFill>
-                  <a:schemeClr val="tx1"/>
-                </a:solidFill>
-                <a:latin typeface="Tahoma" charset="0"/>
-                <a:cs typeface="Arial" charset="0"/>
-              </a:defRPr>
-            </a:lvl2pPr>
-            <a:lvl3pPr eaLnBrk="0" hangingPunct="0">
-              <a:defRPr sz="2400">
-                <a:solidFill>
-                  <a:schemeClr val="tx1"/>
-                </a:solidFill>
-                <a:latin typeface="Tahoma" charset="0"/>
-                <a:cs typeface="Arial" charset="0"/>
-              </a:defRPr>
-            </a:lvl3pPr>
-            <a:lvl4pPr eaLnBrk="0" hangingPunct="0">
-              <a:defRPr sz="2400">
-                <a:solidFill>
-                  <a:schemeClr val="tx1"/>
-                </a:solidFill>
-                <a:latin typeface="Tahoma" charset="0"/>
-                <a:cs typeface="Arial" charset="0"/>
-              </a:defRPr>
-            </a:lvl4pPr>
-            <a:lvl5pPr eaLnBrk="0" hangingPunct="0">
-              <a:defRPr sz="2400">
-                <a:solidFill>
-                  <a:schemeClr val="tx1"/>
-                </a:solidFill>
-                <a:latin typeface="Tahoma" charset="0"/>
-                <a:cs typeface="Arial" charset="0"/>
-              </a:defRPr>
-            </a:lvl5pPr>
-            <a:lvl6pPr marL="457200" eaLnBrk="0" fontAlgn="base" hangingPunct="0">
-              <a:spcBef>
-                <a:spcPct val="0"/>
-              </a:spcBef>
-              <a:spcAft>
-                <a:spcPct val="0"/>
-              </a:spcAft>
-              <a:defRPr sz="2400">
-                <a:solidFill>
-                  <a:schemeClr val="tx1"/>
-                </a:solidFill>
-                <a:latin typeface="Tahoma" charset="0"/>
-                <a:cs typeface="Arial" charset="0"/>
-              </a:defRPr>
-            </a:lvl6pPr>
-            <a:lvl7pPr marL="914400" eaLnBrk="0" fontAlgn="base" hangingPunct="0">
-              <a:spcBef>
-                <a:spcPct val="0"/>
-              </a:spcBef>
-              <a:spcAft>
-                <a:spcPct val="0"/>
-              </a:spcAft>
-              <a:defRPr sz="2400">
-                <a:solidFill>
-                  <a:schemeClr val="tx1"/>
-                </a:solidFill>
-                <a:latin typeface="Tahoma" charset="0"/>
-                <a:cs typeface="Arial" charset="0"/>
-              </a:defRPr>
-            </a:lvl7pPr>
-            <a:lvl8pPr marL="1371600" eaLnBrk="0" fontAlgn="base" hangingPunct="0">
-              <a:spcBef>
-                <a:spcPct val="0"/>
-              </a:spcBef>
-              <a:spcAft>
-                <a:spcPct val="0"/>
-              </a:spcAft>
-              <a:defRPr sz="2400">
-                <a:solidFill>
-                  <a:schemeClr val="tx1"/>
-                </a:solidFill>
-                <a:latin typeface="Tahoma" charset="0"/>
-                <a:cs typeface="Arial" charset="0"/>
-              </a:defRPr>
-            </a:lvl8pPr>
-            <a:lvl9pPr marL="1828800" eaLnBrk="0" fontAlgn="base" hangingPunct="0">
-              <a:spcBef>
-                <a:spcPct val="0"/>
-              </a:spcBef>
-              <a:spcAft>
-                <a:spcPct val="0"/>
-              </a:spcAft>
-              <a:defRPr sz="2400">
-                <a:solidFill>
-                  <a:schemeClr val="tx1"/>
-                </a:solidFill>
-                <a:latin typeface="Tahoma" charset="0"/>
-                <a:cs typeface="Arial" charset="0"/>
-              </a:defRPr>
-            </a:lvl9pPr>
-          </a:lstStyle>
-          <a:p>
-            <a:pPr algn="l">
-              <a:lnSpc>
-                <a:spcPts val="2500"/>
-              </a:lnSpc>
-              <a:buClr>
-                <a:srgbClr val="00A6D6"/>
-              </a:buClr>
-              <a:defRPr/>
-            </a:pPr>
-            <a:endParaRPr lang="nl-NL" altLang="nl-NL" sz="2000" dirty="0" smtClean="0">
-              <a:solidFill>
-                <a:srgbClr val="00A6D6"/>
-              </a:solidFill>
-              <a:latin typeface="+mn-lt"/>
-              <a:ea typeface="ＭＳ Ｐゴシック" charset="-128"/>
-            </a:endParaRPr>
-          </a:p>
-        </p:txBody>
-      </p:sp>
-      <p:pic>
-        <p:nvPicPr>
-          <p:cNvPr id="7" name="Afbeelding 6" descr="applicationIcon-128x128.png"/>
-          <p:cNvPicPr>
-            <a:picLocks noChangeAspect="1"/>
-          </p:cNvPicPr>
-          <p:nvPr/>
-        </p:nvPicPr>
-        <p:blipFill>
-          <a:blip r:embed="rId3" cstate="print"/>
-          <a:stretch>
-            <a:fillRect/>
-          </a:stretch>
-        </p:blipFill>
-        <p:spPr>
-          <a:xfrm>
-            <a:off x="8128000" y="215900"/>
-            <a:ext cx="800100" cy="800100"/>
-          </a:xfrm>
-          <a:prstGeom prst="rect">
-            <a:avLst/>
-          </a:prstGeom>
-        </p:spPr>
-      </p:pic>
-    </p:spTree>
-  </p:cSld>
-  <p:clrMapOvr>
-    <a:masterClrMapping/>
-  </p:clrMapOvr>
-  <p:timing>
-    <p:tnLst>
-      <p:par>
-        <p:cTn id="1" dur="indefinite" restart="never" nodeType="tmRoot"/>
-      </p:par>
-    </p:tnLst>
-  </p:timing>
-</p:sld>
-</file>
-
-<file path=ppt/slides/slide20.xml><?xml version="1.0" encoding="utf-8"?>
-<p:sld xmlns:a="http://schemas.openxmlformats.org/drawingml/2006/main" xmlns:r="http://schemas.openxmlformats.org/officeDocument/2006/relationships" xmlns:p="http://schemas.openxmlformats.org/presentationml/2006/main">
-  <p:cSld>
-    <p:spTree>
-      <p:nvGrpSpPr>
-        <p:cNvPr id="1" name=""/>
-        <p:cNvGrpSpPr/>
-        <p:nvPr/>
-      </p:nvGrpSpPr>
-      <p:grpSpPr>
-        <a:xfrm>
-          <a:off x="0" y="0"/>
-          <a:ext cx="0" cy="0"/>
-          <a:chOff x="0" y="0"/>
-          <a:chExt cx="0" cy="0"/>
-        </a:xfrm>
-      </p:grpSpPr>
-      <p:sp>
-        <p:nvSpPr>
-          <p:cNvPr id="2" name="Titel 1"/>
-          <p:cNvSpPr>
-            <a:spLocks noGrp="1"/>
-          </p:cNvSpPr>
-          <p:nvPr>
-            <p:ph type="title"/>
-          </p:nvPr>
-        </p:nvSpPr>
-        <p:spPr/>
-        <p:txBody>
-          <a:bodyPr/>
-          <a:lstStyle/>
-          <a:p>
-            <a:r>
-              <a:rPr lang="nl-NL" dirty="0" smtClean="0"/>
-              <a:t>View</a:t>
-            </a:r>
-            <a:endParaRPr lang="nl-NL" dirty="0"/>
-          </a:p>
-        </p:txBody>
-      </p:sp>
-      <p:sp>
-        <p:nvSpPr>
-          <p:cNvPr id="3" name="Tijdelijke aanduiding voor inhoud 2"/>
-          <p:cNvSpPr>
-            <a:spLocks noGrp="1"/>
-          </p:cNvSpPr>
-          <p:nvPr>
-            <p:ph idx="1"/>
-          </p:nvPr>
-        </p:nvSpPr>
-        <p:spPr/>
-        <p:txBody>
-          <a:bodyPr/>
-          <a:lstStyle/>
-          <a:p>
-            <a:endParaRPr lang="nl-NL"/>
-          </a:p>
-        </p:txBody>
-      </p:sp>
-      <p:sp>
-        <p:nvSpPr>
-          <p:cNvPr id="4" name="Tekstvak 3"/>
-          <p:cNvSpPr txBox="1"/>
-          <p:nvPr/>
-        </p:nvSpPr>
-        <p:spPr>
-          <a:xfrm>
-            <a:off x="2038589" y="6169966"/>
-            <a:ext cx="4533421" cy="461665"/>
-          </a:xfrm>
-          <a:prstGeom prst="rect">
-            <a:avLst/>
-          </a:prstGeom>
-          <a:noFill/>
-        </p:spPr>
-        <p:txBody>
-          <a:bodyPr wrap="none" rtlCol="0">
-            <a:spAutoFit/>
-          </a:bodyPr>
-          <a:lstStyle/>
-          <a:p>
-            <a:r>
-              <a:rPr lang="nl-NL" dirty="0" smtClean="0"/>
-              <a:t>Resultaat – Eisen – UML - </a:t>
-            </a:r>
-            <a:r>
-              <a:rPr lang="nl-NL" b="1" dirty="0" smtClean="0"/>
-              <a:t>View</a:t>
-            </a:r>
-            <a:endParaRPr lang="nl-NL" b="1" dirty="0"/>
-          </a:p>
-        </p:txBody>
-      </p:sp>
-      <p:pic>
-        <p:nvPicPr>
-          <p:cNvPr id="6146" name="Picture 2"/>
-          <p:cNvPicPr>
-            <a:picLocks noChangeAspect="1" noChangeArrowheads="1"/>
-          </p:cNvPicPr>
-          <p:nvPr/>
-        </p:nvPicPr>
-        <p:blipFill>
-          <a:blip r:embed="rId2">
-            <a:extLst>
-              <a:ext uri="{28A0092B-C50C-407E-A947-70E740481C1C}">
-                <a14:useLocalDpi xmlns:a14="http://schemas.microsoft.com/office/drawing/2010/main" val="0"/>
-              </a:ext>
-            </a:extLst>
-          </a:blip>
-          <a:srcRect/>
-          <a:stretch>
-            <a:fillRect/>
-          </a:stretch>
-        </p:blipFill>
-        <p:spPr bwMode="auto">
-          <a:xfrm>
-            <a:off x="0" y="1307415"/>
-            <a:ext cx="9143999" cy="4862551"/>
-          </a:xfrm>
-          <a:prstGeom prst="rect">
-            <a:avLst/>
-          </a:prstGeom>
-          <a:noFill/>
-          <a:ln>
-            <a:noFill/>
-          </a:ln>
-          <a:extLst>
-            <a:ext uri="{909E8E84-426E-40DD-AFC4-6F175D3DCCD1}">
-              <a14:hiddenFill xmlns:a14="http://schemas.microsoft.com/office/drawing/2010/main">
-                <a:solidFill>
-                  <a:schemeClr val="accent1"/>
-                </a:solidFill>
-              </a14:hiddenFill>
-            </a:ext>
-            <a:ext uri="{91240B29-F687-4F45-9708-019B960494DF}">
-              <a14:hiddenLine xmlns:a14="http://schemas.microsoft.com/office/drawing/2010/main" w="9525">
-                <a:solidFill>
-                  <a:schemeClr val="tx1"/>
-                </a:solidFill>
-                <a:miter lim="800000"/>
-                <a:headEnd/>
-                <a:tailEnd/>
-              </a14:hiddenLine>
-            </a:ext>
-          </a:extLst>
-        </p:spPr>
-      </p:pic>
-    </p:spTree>
-    <p:extLst>
-      <p:ext uri="{BB962C8B-B14F-4D97-AF65-F5344CB8AC3E}">
-        <p14:creationId xmlns:p14="http://schemas.microsoft.com/office/powerpoint/2010/main" val="1437712838"/>
-      </p:ext>
-    </p:extLst>
-  </p:cSld>
-  <p:clrMapOvr>
-    <a:masterClrMapping/>
-  </p:clrMapOvr>
-  <p:timing>
-    <p:tnLst>
-      <p:par>
-        <p:cTn id="1" dur="indefinite" restart="never" nodeType="tmRoot"/>
-      </p:par>
-    </p:tnLst>
-  </p:timing>
-</p:sld>
-</file>
-
-<file path=ppt/slides/slide21.xml><?xml version="1.0" encoding="utf-8"?>
-<p:sld xmlns:a="http://schemas.openxmlformats.org/drawingml/2006/main" xmlns:r="http://schemas.openxmlformats.org/officeDocument/2006/relationships" xmlns:p="http://schemas.openxmlformats.org/presentationml/2006/main">
-  <p:cSld>
-    <p:spTree>
-      <p:nvGrpSpPr>
-        <p:cNvPr id="1" name=""/>
-        <p:cNvGrpSpPr/>
-        <p:nvPr/>
-      </p:nvGrpSpPr>
-      <p:grpSpPr>
-        <a:xfrm>
-          <a:off x="0" y="0"/>
-          <a:ext cx="0" cy="0"/>
-          <a:chOff x="0" y="0"/>
-          <a:chExt cx="0" cy="0"/>
-        </a:xfrm>
-      </p:grpSpPr>
-      <p:sp>
-        <p:nvSpPr>
-          <p:cNvPr id="2" name="Titel 1"/>
-          <p:cNvSpPr>
-            <a:spLocks noGrp="1"/>
-          </p:cNvSpPr>
-          <p:nvPr>
-            <p:ph type="title"/>
-          </p:nvPr>
-        </p:nvSpPr>
-        <p:spPr/>
-        <p:txBody>
-          <a:bodyPr/>
-          <a:lstStyle/>
-          <a:p>
-            <a:r>
-              <a:rPr lang="nl-NL" dirty="0"/>
-              <a:t>View</a:t>
-            </a:r>
-          </a:p>
-        </p:txBody>
-      </p:sp>
-      <p:sp>
-        <p:nvSpPr>
-          <p:cNvPr id="3" name="Tijdelijke aanduiding voor inhoud 2"/>
-          <p:cNvSpPr>
-            <a:spLocks noGrp="1"/>
-          </p:cNvSpPr>
-          <p:nvPr>
-            <p:ph idx="1"/>
-          </p:nvPr>
-        </p:nvSpPr>
-        <p:spPr/>
-        <p:txBody>
-          <a:bodyPr/>
-          <a:lstStyle/>
-          <a:p>
-            <a:endParaRPr lang="nl-NL"/>
-          </a:p>
-        </p:txBody>
-      </p:sp>
-      <p:sp>
-        <p:nvSpPr>
-          <p:cNvPr id="4" name="Tekstvak 3"/>
-          <p:cNvSpPr txBox="1"/>
-          <p:nvPr/>
-        </p:nvSpPr>
-        <p:spPr>
-          <a:xfrm>
-            <a:off x="2038589" y="6169966"/>
-            <a:ext cx="4533421" cy="461665"/>
-          </a:xfrm>
-          <a:prstGeom prst="rect">
-            <a:avLst/>
-          </a:prstGeom>
-          <a:noFill/>
-        </p:spPr>
-        <p:txBody>
-          <a:bodyPr wrap="none" rtlCol="0">
-            <a:spAutoFit/>
-          </a:bodyPr>
-          <a:lstStyle/>
-          <a:p>
-            <a:r>
-              <a:rPr lang="nl-NL" dirty="0" smtClean="0"/>
-              <a:t>Resultaat – Eisen – UML - </a:t>
-            </a:r>
-            <a:r>
-              <a:rPr lang="nl-NL" b="1" dirty="0" smtClean="0"/>
-              <a:t>View</a:t>
-            </a:r>
-            <a:endParaRPr lang="nl-NL" b="1" dirty="0"/>
-          </a:p>
-        </p:txBody>
-      </p:sp>
-      <p:pic>
-        <p:nvPicPr>
-          <p:cNvPr id="7170" name="Picture 2"/>
-          <p:cNvPicPr>
-            <a:picLocks noChangeAspect="1" noChangeArrowheads="1"/>
-          </p:cNvPicPr>
-          <p:nvPr/>
-        </p:nvPicPr>
-        <p:blipFill>
-          <a:blip r:embed="rId2">
-            <a:extLst>
-              <a:ext uri="{28A0092B-C50C-407E-A947-70E740481C1C}">
-                <a14:useLocalDpi xmlns:a14="http://schemas.microsoft.com/office/drawing/2010/main" val="0"/>
-              </a:ext>
-            </a:extLst>
-          </a:blip>
-          <a:srcRect/>
-          <a:stretch>
-            <a:fillRect/>
-          </a:stretch>
-        </p:blipFill>
-        <p:spPr bwMode="auto">
-          <a:xfrm>
-            <a:off x="1" y="1310966"/>
-            <a:ext cx="9143999" cy="4859000"/>
-          </a:xfrm>
-          <a:prstGeom prst="rect">
-            <a:avLst/>
-          </a:prstGeom>
-          <a:noFill/>
-          <a:ln>
-            <a:noFill/>
-          </a:ln>
-          <a:extLst>
-            <a:ext uri="{909E8E84-426E-40DD-AFC4-6F175D3DCCD1}">
-              <a14:hiddenFill xmlns:a14="http://schemas.microsoft.com/office/drawing/2010/main">
-                <a:solidFill>
-                  <a:schemeClr val="accent1"/>
-                </a:solidFill>
-              </a14:hiddenFill>
-            </a:ext>
-            <a:ext uri="{91240B29-F687-4F45-9708-019B960494DF}">
-              <a14:hiddenLine xmlns:a14="http://schemas.microsoft.com/office/drawing/2010/main" w="9525">
-                <a:solidFill>
-                  <a:schemeClr val="tx1"/>
-                </a:solidFill>
-                <a:miter lim="800000"/>
-                <a:headEnd/>
-                <a:tailEnd/>
-              </a14:hiddenLine>
-            </a:ext>
-          </a:extLst>
-        </p:spPr>
-      </p:pic>
-    </p:spTree>
-    <p:extLst>
-      <p:ext uri="{BB962C8B-B14F-4D97-AF65-F5344CB8AC3E}">
-        <p14:creationId xmlns:p14="http://schemas.microsoft.com/office/powerpoint/2010/main" val="4266581296"/>
-      </p:ext>
-    </p:extLst>
-  </p:cSld>
-  <p:clrMapOvr>
-    <a:masterClrMapping/>
-  </p:clrMapOvr>
-  <p:timing>
-    <p:tnLst>
-      <p:par>
-        <p:cTn id="1" dur="indefinite" restart="never" nodeType="tmRoot"/>
-      </p:par>
-    </p:tnLst>
-  </p:timing>
-</p:sld>
-</file>
-
-<file path=ppt/slides/slide22.xml><?xml version="1.0" encoding="utf-8"?>
-<p:sld xmlns:a="http://schemas.openxmlformats.org/drawingml/2006/main" xmlns:r="http://schemas.openxmlformats.org/officeDocument/2006/relationships" xmlns:p="http://schemas.openxmlformats.org/presentationml/2006/main">
-  <p:cSld>
-    <p:spTree>
-      <p:nvGrpSpPr>
-        <p:cNvPr id="1" name=""/>
-        <p:cNvGrpSpPr/>
-        <p:nvPr/>
-      </p:nvGrpSpPr>
-      <p:grpSpPr>
-        <a:xfrm>
-          <a:off x="0" y="0"/>
-          <a:ext cx="0" cy="0"/>
-          <a:chOff x="0" y="0"/>
-          <a:chExt cx="0" cy="0"/>
-        </a:xfrm>
-      </p:grpSpPr>
-      <p:sp>
-        <p:nvSpPr>
-          <p:cNvPr id="2" name="Titel 1"/>
-          <p:cNvSpPr>
-            <a:spLocks noGrp="1"/>
-          </p:cNvSpPr>
-          <p:nvPr>
-            <p:ph type="title"/>
-          </p:nvPr>
-        </p:nvSpPr>
-        <p:spPr/>
-        <p:txBody>
-          <a:bodyPr/>
-          <a:lstStyle/>
-          <a:p>
-            <a:r>
-              <a:rPr lang="nl-NL" dirty="0"/>
-              <a:t>View</a:t>
-            </a:r>
-          </a:p>
-        </p:txBody>
-      </p:sp>
-      <p:sp>
-        <p:nvSpPr>
-          <p:cNvPr id="3" name="Tijdelijke aanduiding voor inhoud 2"/>
-          <p:cNvSpPr>
-            <a:spLocks noGrp="1"/>
-          </p:cNvSpPr>
-          <p:nvPr>
-            <p:ph idx="1"/>
-          </p:nvPr>
-        </p:nvSpPr>
-        <p:spPr/>
-        <p:txBody>
-          <a:bodyPr/>
-          <a:lstStyle/>
-          <a:p>
-            <a:endParaRPr lang="nl-NL"/>
-          </a:p>
-        </p:txBody>
-      </p:sp>
-      <p:sp>
-        <p:nvSpPr>
-          <p:cNvPr id="4" name="Tekstvak 3"/>
-          <p:cNvSpPr txBox="1"/>
-          <p:nvPr/>
-        </p:nvSpPr>
-        <p:spPr>
-          <a:xfrm>
-            <a:off x="2038589" y="6169966"/>
-            <a:ext cx="4533421" cy="461665"/>
-          </a:xfrm>
-          <a:prstGeom prst="rect">
-            <a:avLst/>
-          </a:prstGeom>
-          <a:noFill/>
-        </p:spPr>
-        <p:txBody>
-          <a:bodyPr wrap="none" rtlCol="0">
-            <a:spAutoFit/>
-          </a:bodyPr>
-          <a:lstStyle/>
-          <a:p>
-            <a:r>
-              <a:rPr lang="nl-NL" dirty="0" smtClean="0"/>
-              <a:t>Resultaat – Eisen – UML - </a:t>
-            </a:r>
-            <a:r>
-              <a:rPr lang="nl-NL" b="1" dirty="0" smtClean="0"/>
-              <a:t>View</a:t>
-            </a:r>
-            <a:endParaRPr lang="nl-NL" b="1" dirty="0"/>
-          </a:p>
-        </p:txBody>
-      </p:sp>
-      <p:pic>
-        <p:nvPicPr>
-          <p:cNvPr id="8194" name="Picture 2"/>
-          <p:cNvPicPr>
-            <a:picLocks noChangeAspect="1" noChangeArrowheads="1"/>
-          </p:cNvPicPr>
-          <p:nvPr/>
-        </p:nvPicPr>
-        <p:blipFill>
-          <a:blip r:embed="rId2">
-            <a:extLst>
-              <a:ext uri="{28A0092B-C50C-407E-A947-70E740481C1C}">
-                <a14:useLocalDpi xmlns:a14="http://schemas.microsoft.com/office/drawing/2010/main" val="0"/>
-              </a:ext>
-            </a:extLst>
-          </a:blip>
-          <a:srcRect/>
-          <a:stretch>
-            <a:fillRect/>
-          </a:stretch>
-        </p:blipFill>
-        <p:spPr bwMode="auto">
-          <a:xfrm>
-            <a:off x="-1" y="1341562"/>
-            <a:ext cx="9143999" cy="4828404"/>
-          </a:xfrm>
-          <a:prstGeom prst="rect">
-            <a:avLst/>
-          </a:prstGeom>
-          <a:noFill/>
-          <a:ln>
-            <a:noFill/>
-          </a:ln>
-          <a:extLst>
-            <a:ext uri="{909E8E84-426E-40DD-AFC4-6F175D3DCCD1}">
-              <a14:hiddenFill xmlns:a14="http://schemas.microsoft.com/office/drawing/2010/main">
-                <a:solidFill>
-                  <a:schemeClr val="accent1"/>
-                </a:solidFill>
-              </a14:hiddenFill>
-            </a:ext>
-            <a:ext uri="{91240B29-F687-4F45-9708-019B960494DF}">
-              <a14:hiddenLine xmlns:a14="http://schemas.microsoft.com/office/drawing/2010/main" w="9525">
-                <a:solidFill>
-                  <a:schemeClr val="tx1"/>
-                </a:solidFill>
-                <a:miter lim="800000"/>
-                <a:headEnd/>
-                <a:tailEnd/>
-              </a14:hiddenLine>
-            </a:ext>
-          </a:extLst>
-        </p:spPr>
-      </p:pic>
-    </p:spTree>
-    <p:extLst>
-      <p:ext uri="{BB962C8B-B14F-4D97-AF65-F5344CB8AC3E}">
-        <p14:creationId xmlns:p14="http://schemas.microsoft.com/office/powerpoint/2010/main" val="3809693297"/>
-      </p:ext>
-    </p:extLst>
-  </p:cSld>
-  <p:clrMapOvr>
-    <a:masterClrMapping/>
-  </p:clrMapOvr>
-  <p:timing>
-    <p:tnLst>
-      <p:par>
-        <p:cTn id="1" dur="indefinite" restart="never" nodeType="tmRoot"/>
-      </p:par>
-    </p:tnLst>
-  </p:timing>
-</p:sld>
-</file>
-
-<file path=ppt/slides/slide23.xml><?xml version="1.0" encoding="utf-8"?>
-<p:sld xmlns:a="http://schemas.openxmlformats.org/drawingml/2006/main" xmlns:r="http://schemas.openxmlformats.org/officeDocument/2006/relationships" xmlns:p="http://schemas.openxmlformats.org/presentationml/2006/main">
-  <p:cSld>
-    <p:spTree>
-      <p:nvGrpSpPr>
-        <p:cNvPr id="1" name=""/>
-        <p:cNvGrpSpPr/>
-        <p:nvPr/>
-      </p:nvGrpSpPr>
-      <p:grpSpPr>
-        <a:xfrm>
-          <a:off x="0" y="0"/>
-          <a:ext cx="0" cy="0"/>
-          <a:chOff x="0" y="0"/>
-          <a:chExt cx="0" cy="0"/>
-        </a:xfrm>
-      </p:grpSpPr>
-      <p:sp>
-        <p:nvSpPr>
-          <p:cNvPr id="3074" name="Rectangle 5"/>
-          <p:cNvSpPr>
-            <a:spLocks noChangeArrowheads="1"/>
-          </p:cNvSpPr>
-          <p:nvPr/>
-        </p:nvSpPr>
-        <p:spPr bwMode="auto">
-          <a:xfrm>
-            <a:off x="471488" y="2055813"/>
-            <a:ext cx="7307262" cy="1897062"/>
-          </a:xfrm>
-          <a:prstGeom prst="rect">
-            <a:avLst/>
-          </a:prstGeom>
-          <a:solidFill>
-            <a:schemeClr val="tx1"/>
-          </a:solidFill>
-          <a:ln w="9525">
-            <a:noFill/>
-            <a:round/>
-            <a:headEnd/>
-            <a:tailEnd/>
-          </a:ln>
-        </p:spPr>
-        <p:txBody>
-          <a:bodyPr/>
-          <a:lstStyle/>
-          <a:p>
-            <a:pPr algn="l" eaLnBrk="0" hangingPunct="0"/>
-            <a:endParaRPr lang="nl-NL" altLang="nl-NL">
-              <a:latin typeface="Arial" charset="0"/>
-              <a:ea typeface="ＭＳ Ｐゴシック" pitchFamily="34" charset="-128"/>
-            </a:endParaRPr>
-          </a:p>
-        </p:txBody>
-      </p:sp>
-      <p:sp>
-        <p:nvSpPr>
-          <p:cNvPr id="17411" name="Title 3"/>
-          <p:cNvSpPr>
-            <a:spLocks noGrp="1"/>
-          </p:cNvSpPr>
-          <p:nvPr>
-            <p:ph type="ctrTitle"/>
-          </p:nvPr>
-        </p:nvSpPr>
-        <p:spPr>
-          <a:xfrm>
-            <a:off x="685800" y="2155825"/>
-            <a:ext cx="6799263" cy="646113"/>
-          </a:xfrm>
-        </p:spPr>
-        <p:txBody>
-          <a:bodyPr/>
-          <a:lstStyle/>
-          <a:p>
-            <a:pPr marL="0" indent="0">
-              <a:defRPr/>
-            </a:pPr>
-            <a:r>
-              <a:rPr lang="en-US" altLang="nl-NL" dirty="0" smtClean="0">
-                <a:latin typeface="+mn-lt"/>
-              </a:rPr>
-              <a:t>Scarlett</a:t>
-            </a:r>
-          </a:p>
-        </p:txBody>
-      </p:sp>
-      <p:sp>
-        <p:nvSpPr>
-          <p:cNvPr id="3076" name="Subtitle 4"/>
-          <p:cNvSpPr>
-            <a:spLocks noGrp="1"/>
-          </p:cNvSpPr>
-          <p:nvPr>
-            <p:ph type="subTitle" idx="1"/>
-          </p:nvPr>
-        </p:nvSpPr>
-        <p:spPr>
-          <a:xfrm>
-            <a:off x="693738" y="2862263"/>
-            <a:ext cx="6781800" cy="828675"/>
-          </a:xfrm>
-        </p:spPr>
-        <p:txBody>
-          <a:bodyPr/>
-          <a:lstStyle/>
-          <a:p>
-            <a:r>
-              <a:rPr lang="nl-NL" altLang="nl-NL" dirty="0" smtClean="0">
-                <a:latin typeface="Tahoma" pitchFamily="34" charset="0"/>
-                <a:ea typeface="ＭＳ Ｐゴシック" pitchFamily="34" charset="-128"/>
-              </a:rPr>
-              <a:t>Spreadsheet programma</a:t>
-            </a:r>
-          </a:p>
-        </p:txBody>
-      </p:sp>
-      <p:sp>
-        <p:nvSpPr>
-          <p:cNvPr id="7" name="Rectangle 20"/>
-          <p:cNvSpPr>
-            <a:spLocks noChangeArrowheads="1"/>
-          </p:cNvSpPr>
-          <p:nvPr/>
-        </p:nvSpPr>
-        <p:spPr bwMode="auto">
-          <a:xfrm>
-            <a:off x="0" y="0"/>
-            <a:ext cx="469900" cy="2057400"/>
-          </a:xfrm>
-          <a:prstGeom prst="rect">
-            <a:avLst/>
-          </a:prstGeom>
-          <a:solidFill>
-            <a:srgbClr val="00A6D6"/>
-          </a:solidFill>
-          <a:ln w="9525">
-            <a:noFill/>
-            <a:miter lim="800000"/>
-            <a:headEnd/>
-            <a:tailEnd/>
-          </a:ln>
-          <a:effectLst/>
-        </p:spPr>
-        <p:txBody>
-          <a:bodyPr wrap="none" anchor="ctr"/>
-          <a:lstStyle/>
-          <a:p>
-            <a:pPr algn="r">
-              <a:defRPr/>
-            </a:pPr>
-            <a:endParaRPr lang="nl-NL" sz="2200">
-              <a:cs typeface="+mn-cs"/>
-            </a:endParaRPr>
-          </a:p>
-        </p:txBody>
-      </p:sp>
-      <p:sp>
-        <p:nvSpPr>
-          <p:cNvPr id="6" name="Tekstvak 5"/>
-          <p:cNvSpPr txBox="1"/>
-          <p:nvPr/>
-        </p:nvSpPr>
-        <p:spPr>
-          <a:xfrm>
-            <a:off x="495300" y="4254500"/>
-            <a:ext cx="5562600" cy="646331"/>
-          </a:xfrm>
-          <a:prstGeom prst="rect">
-            <a:avLst/>
-          </a:prstGeom>
-          <a:noFill/>
-        </p:spPr>
-        <p:txBody>
-          <a:bodyPr wrap="square" rtlCol="0">
-            <a:spAutoFit/>
-          </a:bodyPr>
-          <a:lstStyle/>
-          <a:p>
-            <a:pPr algn="l"/>
-            <a:r>
-              <a:rPr lang="nl-NL" sz="1800" dirty="0" smtClean="0"/>
-              <a:t>Mitchell </a:t>
-            </a:r>
-            <a:r>
-              <a:rPr lang="nl-NL" sz="1800" dirty="0" err="1" smtClean="0"/>
-              <a:t>Olsthoorn</a:t>
-            </a:r>
-            <a:endParaRPr lang="nl-NL" sz="1800" dirty="0" smtClean="0"/>
-          </a:p>
-          <a:p>
-            <a:pPr algn="l"/>
-            <a:r>
-              <a:rPr lang="nl-NL" sz="1800" dirty="0" smtClean="0"/>
-              <a:t>Roy Klip</a:t>
-            </a:r>
-            <a:endParaRPr lang="nl-NL" sz="1800" dirty="0"/>
-          </a:p>
-        </p:txBody>
-      </p:sp>
-      <p:pic>
-        <p:nvPicPr>
-          <p:cNvPr id="8" name="Afbeelding 7" descr="selector.png"/>
-          <p:cNvPicPr>
-            <a:picLocks noChangeAspect="1"/>
-          </p:cNvPicPr>
-          <p:nvPr/>
-        </p:nvPicPr>
-        <p:blipFill>
-          <a:blip r:embed="rId2" cstate="print"/>
-          <a:stretch>
-            <a:fillRect/>
-          </a:stretch>
-        </p:blipFill>
-        <p:spPr>
-          <a:xfrm>
-            <a:off x="6488668" y="2159000"/>
-            <a:ext cx="1105932" cy="1719663"/>
-          </a:xfrm>
-          <a:prstGeom prst="rect">
-            <a:avLst/>
-          </a:prstGeom>
-        </p:spPr>
-      </p:pic>
-      <p:sp>
-        <p:nvSpPr>
-          <p:cNvPr id="10" name="Tekstvak 9"/>
-          <p:cNvSpPr txBox="1"/>
-          <p:nvPr/>
-        </p:nvSpPr>
-        <p:spPr>
-          <a:xfrm>
-            <a:off x="6083300" y="4673600"/>
-            <a:ext cx="2171700" cy="1015663"/>
-          </a:xfrm>
-          <a:prstGeom prst="rect">
-            <a:avLst/>
-          </a:prstGeom>
-          <a:noFill/>
-        </p:spPr>
-        <p:txBody>
-          <a:bodyPr wrap="square" rtlCol="0">
-            <a:spAutoFit/>
-          </a:bodyPr>
-          <a:lstStyle/>
-          <a:p>
-            <a:r>
-              <a:rPr lang="nl-NL" sz="1800" dirty="0" smtClean="0"/>
-              <a:t>28-1-2014</a:t>
-            </a:r>
-          </a:p>
-          <a:p>
-            <a:r>
-              <a:rPr lang="nl-NL" sz="1800" dirty="0"/>
-              <a:t>Snijderszaal</a:t>
-            </a:r>
-          </a:p>
-          <a:p>
-            <a:endParaRPr lang="nl-NL" dirty="0"/>
-          </a:p>
-        </p:txBody>
-      </p:sp>
-    </p:spTree>
-  </p:cSld>
-  <p:clrMapOvr>
-    <a:masterClrMapping/>
-  </p:clrMapOvr>
-  <p:timing>
-    <p:tnLst>
-      <p:par>
-        <p:cTn id="1" dur="indefinite" restart="never" nodeType="tmRoot"/>
-      </p:par>
-    </p:tnLst>
-  </p:timing>
-</p:sld>
-</file>
-
-<file path=ppt/slides/slide3.xml><?xml version="1.0" encoding="utf-8"?>
-<p:sld xmlns:a="http://schemas.openxmlformats.org/drawingml/2006/main" xmlns:r="http://schemas.openxmlformats.org/officeDocument/2006/relationships" xmlns:p="http://schemas.openxmlformats.org/presentationml/2006/main">
-  <p:cSld>
-    <p:spTree>
-      <p:nvGrpSpPr>
-        <p:cNvPr id="1" name=""/>
-        <p:cNvGrpSpPr/>
-        <p:nvPr/>
-      </p:nvGrpSpPr>
-      <p:grpSpPr>
-        <a:xfrm>
-          <a:off x="0" y="0"/>
-          <a:ext cx="0" cy="0"/>
-          <a:chOff x="0" y="0"/>
-          <a:chExt cx="0" cy="0"/>
-        </a:xfrm>
-      </p:grpSpPr>
-      <p:sp>
-        <p:nvSpPr>
-          <p:cNvPr id="2" name="Titel 1"/>
-          <p:cNvSpPr>
-            <a:spLocks noGrp="1"/>
-          </p:cNvSpPr>
-          <p:nvPr>
-            <p:ph type="title"/>
-          </p:nvPr>
-        </p:nvSpPr>
-        <p:spPr/>
-        <p:txBody>
-          <a:bodyPr/>
-          <a:lstStyle/>
-          <a:p>
-            <a:r>
-              <a:rPr lang="nl-NL" dirty="0" smtClean="0">
-                <a:latin typeface="+mn-lt"/>
-              </a:rPr>
-              <a:t>Resultaat</a:t>
-            </a:r>
-            <a:endParaRPr lang="nl-NL" dirty="0">
-              <a:latin typeface="+mn-lt"/>
-            </a:endParaRPr>
-          </a:p>
-        </p:txBody>
-      </p:sp>
-      <p:pic>
-        <p:nvPicPr>
-          <p:cNvPr id="5" name="Afbeelding 4" descr="applicationIcon-128x128.png"/>
-          <p:cNvPicPr>
-            <a:picLocks noChangeAspect="1"/>
-          </p:cNvPicPr>
-          <p:nvPr/>
-        </p:nvPicPr>
-        <p:blipFill>
-          <a:blip r:embed="rId3" cstate="print"/>
-          <a:stretch>
-            <a:fillRect/>
-          </a:stretch>
-        </p:blipFill>
-        <p:spPr>
-          <a:xfrm>
-            <a:off x="8128000" y="215900"/>
-            <a:ext cx="800100" cy="800100"/>
-          </a:xfrm>
-          <a:prstGeom prst="rect">
-            <a:avLst/>
-          </a:prstGeom>
-        </p:spPr>
-      </p:pic>
-      <p:pic>
-        <p:nvPicPr>
-          <p:cNvPr id="8" name="Afbeelding 7" descr="2014-01-09 02_16_04-New Spreadsheet - Scarlett.png"/>
-          <p:cNvPicPr>
-            <a:picLocks noChangeAspect="1"/>
-          </p:cNvPicPr>
-          <p:nvPr/>
-        </p:nvPicPr>
-        <p:blipFill>
-          <a:blip r:embed="rId4" cstate="print"/>
-          <a:stretch>
-            <a:fillRect/>
-          </a:stretch>
-        </p:blipFill>
-        <p:spPr>
-          <a:xfrm>
-            <a:off x="927100" y="1387077"/>
-            <a:ext cx="6921500" cy="4369197"/>
-          </a:xfrm>
-          <a:prstGeom prst="rect">
-            <a:avLst/>
-          </a:prstGeom>
-        </p:spPr>
-      </p:pic>
-      <p:sp>
-        <p:nvSpPr>
-          <p:cNvPr id="6" name="Tekstvak 5"/>
-          <p:cNvSpPr txBox="1"/>
-          <p:nvPr/>
-        </p:nvSpPr>
-        <p:spPr>
-          <a:xfrm>
-            <a:off x="1983190" y="6169966"/>
-            <a:ext cx="4644220" cy="461665"/>
-          </a:xfrm>
-          <a:prstGeom prst="rect">
-            <a:avLst/>
-          </a:prstGeom>
-          <a:noFill/>
-        </p:spPr>
-        <p:txBody>
-          <a:bodyPr wrap="none" rtlCol="0">
-            <a:spAutoFit/>
-          </a:bodyPr>
-          <a:lstStyle/>
-          <a:p>
-            <a:r>
-              <a:rPr lang="nl-NL" b="1" dirty="0" smtClean="0"/>
-              <a:t>Resultaat</a:t>
-            </a:r>
-            <a:r>
-              <a:rPr lang="nl-NL" dirty="0" smtClean="0"/>
-              <a:t> – Eisen – UML - View</a:t>
-            </a:r>
-            <a:endParaRPr lang="nl-NL" dirty="0"/>
-          </a:p>
-        </p:txBody>
-      </p:sp>
-    </p:spTree>
-  </p:cSld>
-  <p:clrMapOvr>
-    <a:masterClrMapping/>
-  </p:clrMapOvr>
-  <p:timing>
-    <p:tnLst>
-      <p:par>
-        <p:cTn id="1" dur="indefinite" restart="never" nodeType="tmRoot"/>
-      </p:par>
-    </p:tnLst>
-  </p:timing>
-</p:sld>
-</file>
-
-<file path=ppt/slides/slide4.xml><?xml version="1.0" encoding="utf-8"?>
-<p:sld xmlns:a="http://schemas.openxmlformats.org/drawingml/2006/main" xmlns:r="http://schemas.openxmlformats.org/officeDocument/2006/relationships" xmlns:p="http://schemas.openxmlformats.org/presentationml/2006/main">
-  <p:cSld>
-    <p:spTree>
-      <p:nvGrpSpPr>
-        <p:cNvPr id="1" name=""/>
-        <p:cNvGrpSpPr/>
-        <p:nvPr/>
-      </p:nvGrpSpPr>
-      <p:grpSpPr>
-        <a:xfrm>
-          <a:off x="0" y="0"/>
-          <a:ext cx="0" cy="0"/>
-          <a:chOff x="0" y="0"/>
-          <a:chExt cx="0" cy="0"/>
-        </a:xfrm>
-      </p:grpSpPr>
-      <p:sp>
-        <p:nvSpPr>
-          <p:cNvPr id="2" name="Titel 1"/>
-          <p:cNvSpPr>
-            <a:spLocks noGrp="1"/>
-          </p:cNvSpPr>
-          <p:nvPr>
-            <p:ph type="title"/>
-          </p:nvPr>
-        </p:nvSpPr>
-        <p:spPr/>
-        <p:txBody>
-          <a:bodyPr/>
-          <a:lstStyle/>
-          <a:p>
-            <a:r>
-              <a:rPr lang="nl-NL" dirty="0" smtClean="0">
-                <a:latin typeface="+mn-lt"/>
-              </a:rPr>
-              <a:t>Eisen van het programma</a:t>
-            </a:r>
-            <a:endParaRPr lang="nl-NL" dirty="0">
-              <a:latin typeface="+mn-lt"/>
-            </a:endParaRPr>
-          </a:p>
-        </p:txBody>
-      </p:sp>
-      <p:sp>
-        <p:nvSpPr>
-          <p:cNvPr id="3" name="Tijdelijke aanduiding voor inhoud 2"/>
-          <p:cNvSpPr>
-            <a:spLocks noGrp="1"/>
-          </p:cNvSpPr>
-          <p:nvPr>
-            <p:ph idx="1"/>
-          </p:nvPr>
-        </p:nvSpPr>
-        <p:spPr/>
-        <p:txBody>
-          <a:bodyPr/>
-          <a:lstStyle/>
-          <a:p>
-            <a:r>
-              <a:rPr lang="nl-NL" dirty="0" smtClean="0"/>
-              <a:t>Lezen en wegschrijven van bestanden in </a:t>
-            </a:r>
-            <a:r>
-              <a:rPr lang="nl-NL" dirty="0" err="1" smtClean="0"/>
-              <a:t>xml-formaat</a:t>
-            </a:r>
-            <a:endParaRPr lang="nl-NL" dirty="0" smtClean="0"/>
-          </a:p>
-          <a:p>
-            <a:endParaRPr lang="nl-NL" dirty="0" smtClean="0"/>
-          </a:p>
-          <a:p>
-            <a:r>
-              <a:rPr lang="nl-NL" dirty="0" smtClean="0"/>
-              <a:t>Implementatie van formules</a:t>
-            </a:r>
-          </a:p>
-          <a:p>
-            <a:endParaRPr lang="nl-NL" dirty="0" smtClean="0"/>
-          </a:p>
-          <a:p>
-            <a:r>
-              <a:rPr lang="nl-NL" dirty="0" smtClean="0"/>
-              <a:t>Maken van een </a:t>
-            </a:r>
-            <a:r>
-              <a:rPr lang="nl-NL" dirty="0" err="1" smtClean="0"/>
-              <a:t>UML-diagram</a:t>
-            </a:r>
-            <a:endParaRPr lang="nl-NL" dirty="0" smtClean="0"/>
-          </a:p>
-          <a:p>
-            <a:endParaRPr lang="nl-NL" dirty="0" smtClean="0"/>
-          </a:p>
-          <a:p>
-            <a:r>
-              <a:rPr lang="nl-NL" dirty="0" smtClean="0"/>
-              <a:t>Grafische User Interface</a:t>
-            </a:r>
-          </a:p>
-        </p:txBody>
-      </p:sp>
-      <p:pic>
-        <p:nvPicPr>
-          <p:cNvPr id="5" name="Afbeelding 4" descr="applicationIcon-128x128.png"/>
-          <p:cNvPicPr>
-            <a:picLocks noChangeAspect="1"/>
-          </p:cNvPicPr>
-          <p:nvPr/>
-        </p:nvPicPr>
-        <p:blipFill>
-          <a:blip r:embed="rId2" cstate="print"/>
-          <a:stretch>
-            <a:fillRect/>
-          </a:stretch>
-        </p:blipFill>
-        <p:spPr>
-          <a:xfrm>
-            <a:off x="8128000" y="215900"/>
-            <a:ext cx="800100" cy="800100"/>
-          </a:xfrm>
-          <a:prstGeom prst="rect">
-            <a:avLst/>
-          </a:prstGeom>
-        </p:spPr>
-      </p:pic>
-      <p:sp>
-        <p:nvSpPr>
-          <p:cNvPr id="6" name="Tekstvak 5"/>
-          <p:cNvSpPr txBox="1"/>
-          <p:nvPr/>
-        </p:nvSpPr>
-        <p:spPr>
-          <a:xfrm>
-            <a:off x="2041795" y="6169966"/>
-            <a:ext cx="4527009" cy="461665"/>
-          </a:xfrm>
-          <a:prstGeom prst="rect">
-            <a:avLst/>
-          </a:prstGeom>
-          <a:noFill/>
-        </p:spPr>
-        <p:txBody>
-          <a:bodyPr wrap="none" rtlCol="0">
-            <a:spAutoFit/>
-          </a:bodyPr>
-          <a:lstStyle/>
-          <a:p>
-            <a:r>
-              <a:rPr lang="nl-NL" dirty="0" smtClean="0"/>
-              <a:t>Resultaat – </a:t>
-            </a:r>
-            <a:r>
-              <a:rPr lang="nl-NL" b="1" dirty="0" smtClean="0"/>
-              <a:t>Eisen</a:t>
-            </a:r>
-            <a:r>
-              <a:rPr lang="nl-NL" dirty="0" smtClean="0"/>
-              <a:t> – UML - View</a:t>
-            </a:r>
-            <a:endParaRPr lang="nl-NL" dirty="0"/>
-          </a:p>
-        </p:txBody>
-      </p:sp>
-    </p:spTree>
-  </p:cSld>
-  <p:clrMapOvr>
-    <a:masterClrMapping/>
-  </p:clrMapOvr>
-  <p:timing>
-    <p:tnLst>
-      <p:par>
-        <p:cTn id="1" dur="indefinite" restart="never" nodeType="tmRoot"/>
-      </p:par>
-    </p:tnLst>
-  </p:timing>
-</p:sld>
-</file>
-
-<file path=ppt/slides/slide5.xml><?xml version="1.0" encoding="utf-8"?>
-<p:sld xmlns:a="http://schemas.openxmlformats.org/drawingml/2006/main" xmlns:r="http://schemas.openxmlformats.org/officeDocument/2006/relationships" xmlns:p="http://schemas.openxmlformats.org/presentationml/2006/main">
-  <p:cSld>
-    <p:spTree>
-      <p:nvGrpSpPr>
-        <p:cNvPr id="1" name=""/>
-        <p:cNvGrpSpPr/>
-        <p:nvPr/>
-      </p:nvGrpSpPr>
-      <p:grpSpPr>
-        <a:xfrm>
-          <a:off x="0" y="0"/>
-          <a:ext cx="0" cy="0"/>
-          <a:chOff x="0" y="0"/>
-          <a:chExt cx="0" cy="0"/>
-        </a:xfrm>
-      </p:grpSpPr>
-      <p:sp>
-        <p:nvSpPr>
-          <p:cNvPr id="2" name="Titel 1"/>
-          <p:cNvSpPr>
-            <a:spLocks noGrp="1"/>
-          </p:cNvSpPr>
-          <p:nvPr>
-            <p:ph type="title"/>
-          </p:nvPr>
-        </p:nvSpPr>
-        <p:spPr/>
-        <p:txBody>
-          <a:bodyPr/>
-          <a:lstStyle/>
-          <a:p>
-            <a:r>
-              <a:rPr lang="nl-NL" dirty="0" smtClean="0">
-                <a:latin typeface="+mn-lt"/>
-              </a:rPr>
-              <a:t>UML</a:t>
-            </a:r>
-            <a:endParaRPr lang="nl-NL" dirty="0">
-              <a:latin typeface="+mn-lt"/>
-            </a:endParaRPr>
-          </a:p>
-        </p:txBody>
-      </p:sp>
-      <p:pic>
-        <p:nvPicPr>
-          <p:cNvPr id="9" name="Afbeelding 8" descr="applicationIcon-128x128.png"/>
-          <p:cNvPicPr>
-            <a:picLocks noChangeAspect="1"/>
-          </p:cNvPicPr>
-          <p:nvPr/>
-        </p:nvPicPr>
-        <p:blipFill>
-          <a:blip r:embed="rId2" cstate="print"/>
-          <a:stretch>
-            <a:fillRect/>
-          </a:stretch>
-        </p:blipFill>
-        <p:spPr>
-          <a:xfrm>
-            <a:off x="8128000" y="215900"/>
-            <a:ext cx="800100" cy="800100"/>
-          </a:xfrm>
-          <a:prstGeom prst="rect">
-            <a:avLst/>
-          </a:prstGeom>
-        </p:spPr>
-      </p:pic>
-      <p:sp>
-        <p:nvSpPr>
-          <p:cNvPr id="6" name="Tekstvak 5"/>
-          <p:cNvSpPr txBox="1"/>
-          <p:nvPr/>
-        </p:nvSpPr>
-        <p:spPr>
-          <a:xfrm>
-            <a:off x="2052215" y="6169966"/>
-            <a:ext cx="4506170" cy="461665"/>
-          </a:xfrm>
-          <a:prstGeom prst="rect">
-            <a:avLst/>
-          </a:prstGeom>
-          <a:noFill/>
-        </p:spPr>
-        <p:txBody>
-          <a:bodyPr wrap="none" rtlCol="0">
-            <a:spAutoFit/>
-          </a:bodyPr>
-          <a:lstStyle/>
-          <a:p>
-            <a:r>
-              <a:rPr lang="nl-NL" dirty="0" smtClean="0"/>
-              <a:t>Resultaat – Eisen – </a:t>
-            </a:r>
-            <a:r>
-              <a:rPr lang="nl-NL" b="1" dirty="0" smtClean="0"/>
-              <a:t>UML</a:t>
-            </a:r>
-            <a:r>
-              <a:rPr lang="nl-NL" dirty="0" smtClean="0"/>
-              <a:t> - View</a:t>
-            </a:r>
-            <a:endParaRPr lang="nl-NL" dirty="0"/>
-          </a:p>
-        </p:txBody>
-      </p:sp>
-      <p:pic>
-        <p:nvPicPr>
-          <p:cNvPr id="9218" name="Picture 2"/>
+          <p:cNvPr id="5" name="Picture 2"/>
           <p:cNvPicPr>
             <a:picLocks noChangeAspect="1" noChangeArrowheads="1"/>
           </p:cNvPicPr>
@@ -8596,8 +6152,8 @@
         </p:blipFill>
         <p:spPr bwMode="auto">
           <a:xfrm>
-            <a:off x="1579302" y="1016000"/>
-            <a:ext cx="5995206" cy="5046470"/>
+            <a:off x="183323" y="2987408"/>
+            <a:ext cx="4825406" cy="3182558"/>
           </a:xfrm>
           <a:prstGeom prst="rect">
             <a:avLst/>
@@ -8627,148 +6183,16 @@
           </a:extLst>
         </p:spPr>
       </p:pic>
-    </p:spTree>
-  </p:cSld>
-  <p:clrMapOvr>
-    <a:masterClrMapping/>
-  </p:clrMapOvr>
-  <p:timing>
-    <p:tnLst>
-      <p:par>
-        <p:cTn id="1" dur="indefinite" restart="never" nodeType="tmRoot"/>
-      </p:par>
-    </p:tnLst>
-  </p:timing>
-</p:sld>
-</file>
-
-<file path=ppt/slides/slide6.xml><?xml version="1.0" encoding="utf-8"?>
-<p:sld xmlns:a="http://schemas.openxmlformats.org/drawingml/2006/main" xmlns:r="http://schemas.openxmlformats.org/officeDocument/2006/relationships" xmlns:p="http://schemas.openxmlformats.org/presentationml/2006/main">
-  <p:cSld>
-    <p:spTree>
-      <p:nvGrpSpPr>
-        <p:cNvPr id="1" name=""/>
-        <p:cNvGrpSpPr/>
-        <p:nvPr/>
-      </p:nvGrpSpPr>
-      <p:grpSpPr>
-        <a:xfrm>
-          <a:off x="0" y="0"/>
-          <a:ext cx="0" cy="0"/>
-          <a:chOff x="0" y="0"/>
-          <a:chExt cx="0" cy="0"/>
-        </a:xfrm>
-      </p:grpSpPr>
-      <p:sp>
-        <p:nvSpPr>
-          <p:cNvPr id="2" name="Titel 1"/>
-          <p:cNvSpPr>
-            <a:spLocks noGrp="1"/>
-          </p:cNvSpPr>
-          <p:nvPr>
-            <p:ph type="title"/>
-          </p:nvPr>
-        </p:nvSpPr>
-        <p:spPr/>
-        <p:txBody>
-          <a:bodyPr/>
-          <a:lstStyle/>
-          <a:p>
-            <a:r>
-              <a:rPr lang="nl-NL" dirty="0" smtClean="0">
-                <a:latin typeface="+mn-lt"/>
-              </a:rPr>
-              <a:t>UML &gt; XML </a:t>
-            </a:r>
-            <a:r>
-              <a:rPr lang="nl-NL" dirty="0" err="1" smtClean="0">
-                <a:latin typeface="+mn-lt"/>
-              </a:rPr>
-              <a:t>driver</a:t>
-            </a:r>
-            <a:r>
-              <a:rPr lang="nl-NL" dirty="0" smtClean="0"/>
-              <a:t/>
-            </a:r>
-            <a:br>
-              <a:rPr lang="nl-NL" dirty="0" smtClean="0"/>
-            </a:br>
-            <a:endParaRPr lang="nl-NL" dirty="0"/>
-          </a:p>
-        </p:txBody>
-      </p:sp>
       <p:pic>
         <p:nvPicPr>
-          <p:cNvPr id="7" name="Afbeelding 6" descr="applicationIcon-128x128.png"/>
-          <p:cNvPicPr>
-            <a:picLocks noChangeAspect="1"/>
-          </p:cNvPicPr>
-          <p:nvPr/>
-        </p:nvPicPr>
-        <p:blipFill>
-          <a:blip r:embed="rId2" cstate="print"/>
-          <a:stretch>
-            <a:fillRect/>
-          </a:stretch>
-        </p:blipFill>
-        <p:spPr>
-          <a:xfrm>
-            <a:off x="8128000" y="215900"/>
-            <a:ext cx="800100" cy="800100"/>
-          </a:xfrm>
-          <a:prstGeom prst="rect">
-            <a:avLst/>
-          </a:prstGeom>
-        </p:spPr>
-      </p:pic>
-      <p:sp>
-        <p:nvSpPr>
-          <p:cNvPr id="5" name="Tekstvak 4"/>
-          <p:cNvSpPr txBox="1"/>
-          <p:nvPr/>
-        </p:nvSpPr>
-        <p:spPr>
-          <a:xfrm>
-            <a:off x="2052215" y="6169966"/>
-            <a:ext cx="4506170" cy="461665"/>
-          </a:xfrm>
-          <a:prstGeom prst="rect">
-            <a:avLst/>
-          </a:prstGeom>
-          <a:noFill/>
-        </p:spPr>
-        <p:txBody>
-          <a:bodyPr wrap="none" rtlCol="0">
-            <a:spAutoFit/>
-          </a:bodyPr>
-          <a:lstStyle/>
-          <a:p>
-            <a:r>
-              <a:rPr lang="nl-NL" dirty="0" smtClean="0"/>
-              <a:t>Resultaat – Eisen – </a:t>
-            </a:r>
-            <a:r>
-              <a:rPr lang="nl-NL" b="1" dirty="0" smtClean="0"/>
-              <a:t>UML</a:t>
-            </a:r>
-            <a:r>
-              <a:rPr lang="nl-NL" dirty="0" smtClean="0"/>
-              <a:t> - View</a:t>
-            </a:r>
-            <a:endParaRPr lang="nl-NL" dirty="0"/>
-          </a:p>
-        </p:txBody>
-      </p:sp>
-      <p:pic>
-        <p:nvPicPr>
-          <p:cNvPr id="10242" name="Picture 2"/>
+          <p:cNvPr id="1027" name="Picture 3"/>
           <p:cNvPicPr>
             <a:picLocks noChangeAspect="1" noChangeArrowheads="1"/>
           </p:cNvPicPr>
           <p:nvPr/>
         </p:nvPicPr>
         <p:blipFill>
-          <a:blip r:embed="rId3">
+          <a:blip r:embed="rId4">
             <a:extLst>
               <a:ext uri="{28A0092B-C50C-407E-A947-70E740481C1C}">
                 <a14:useLocalDpi xmlns:a14="http://schemas.microsoft.com/office/drawing/2010/main" val="0"/>
@@ -8782,8 +6206,8 @@
         </p:blipFill>
         <p:spPr bwMode="auto">
           <a:xfrm>
-            <a:off x="1581150" y="1016000"/>
-            <a:ext cx="5981700" cy="5029200"/>
+            <a:off x="5171086" y="3439236"/>
+            <a:ext cx="3854273" cy="2730730"/>
           </a:xfrm>
           <a:prstGeom prst="rect">
             <a:avLst/>
@@ -8864,13 +6288,7 @@
               <a:rPr lang="nl-NL" dirty="0" smtClean="0">
                 <a:latin typeface="+mn-lt"/>
               </a:rPr>
-              <a:t>XML </a:t>
-            </a:r>
-            <a:r>
-              <a:rPr lang="nl-NL" dirty="0" err="1" smtClean="0">
-                <a:latin typeface="+mn-lt"/>
-              </a:rPr>
-              <a:t>driver</a:t>
+              <a:t>Open</a:t>
             </a:r>
             <a:endParaRPr lang="nl-NL" dirty="0">
               <a:latin typeface="+mn-lt"/>
@@ -8893,120 +6311,78 @@
           <a:bodyPr/>
           <a:lstStyle/>
           <a:p>
+            <a:endParaRPr lang="nl-NL" dirty="0"/>
+          </a:p>
+          <a:p>
             <a:r>
               <a:rPr lang="nl-NL" dirty="0" smtClean="0"/>
-              <a:t>Standaard Java XML reader/</a:t>
+              <a:t>Read ook via </a:t>
             </a:r>
             <a:r>
               <a:rPr lang="nl-NL" dirty="0" err="1" smtClean="0"/>
-              <a:t>Writer</a:t>
+              <a:t>XmlDriver</a:t>
             </a:r>
             <a:endParaRPr lang="nl-NL" dirty="0" smtClean="0"/>
-          </a:p>
-          <a:p>
-            <a:endParaRPr lang="nl-NL" dirty="0" smtClean="0"/>
-          </a:p>
-          <a:p>
-            <a:r>
-              <a:rPr lang="nl-NL" dirty="0" smtClean="0"/>
-              <a:t>Modulair met omgang formaten</a:t>
-            </a:r>
-          </a:p>
-          <a:p>
-            <a:endParaRPr lang="nl-NL" dirty="0" smtClean="0"/>
-          </a:p>
-          <a:p>
-            <a:r>
-              <a:rPr lang="nl-NL" dirty="0" smtClean="0"/>
-              <a:t>.</a:t>
-            </a:r>
-            <a:r>
-              <a:rPr lang="nl-NL" dirty="0" err="1" smtClean="0"/>
-              <a:t>xml</a:t>
-            </a:r>
-            <a:r>
-              <a:rPr lang="nl-NL" dirty="0" smtClean="0"/>
-              <a:t> bestandsformaat en .</a:t>
-            </a:r>
-            <a:r>
-              <a:rPr lang="nl-NL" dirty="0" err="1" smtClean="0"/>
-              <a:t>scarlett</a:t>
-            </a:r>
-            <a:r>
-              <a:rPr lang="nl-NL" dirty="0" smtClean="0"/>
-              <a:t> bestandsformaat</a:t>
-            </a:r>
-          </a:p>
-          <a:p>
-            <a:endParaRPr lang="nl-NL" dirty="0"/>
           </a:p>
         </p:txBody>
       </p:sp>
       <p:pic>
         <p:nvPicPr>
-          <p:cNvPr id="6" name="Afbeelding 5" descr="applicationIcon-128x128.png"/>
+          <p:cNvPr id="9" name="Picture 2"/>
           <p:cNvPicPr>
-            <a:picLocks noChangeAspect="1"/>
+            <a:picLocks noChangeAspect="1" noChangeArrowheads="1"/>
           </p:cNvPicPr>
           <p:nvPr/>
         </p:nvPicPr>
         <p:blipFill>
-          <a:blip r:embed="rId2" cstate="print"/>
+          <a:blip r:embed="rId2">
+            <a:extLst>
+              <a:ext uri="{28A0092B-C50C-407E-A947-70E740481C1C}">
+                <a14:useLocalDpi xmlns:a14="http://schemas.microsoft.com/office/drawing/2010/main" val="0"/>
+              </a:ext>
+            </a:extLst>
+          </a:blip>
+          <a:srcRect/>
           <a:stretch>
             <a:fillRect/>
           </a:stretch>
         </p:blipFill>
-        <p:spPr>
+        <p:spPr bwMode="auto">
           <a:xfrm>
-            <a:off x="8128000" y="215900"/>
-            <a:ext cx="800100" cy="800100"/>
-          </a:xfrm>
-          <a:prstGeom prst="rect">
-            <a:avLst/>
-          </a:prstGeom>
-        </p:spPr>
-      </p:pic>
-      <p:sp>
-        <p:nvSpPr>
-          <p:cNvPr id="7" name="Tekstvak 6"/>
-          <p:cNvSpPr txBox="1"/>
-          <p:nvPr/>
-        </p:nvSpPr>
-        <p:spPr>
-          <a:xfrm>
-            <a:off x="2052215" y="6169966"/>
-            <a:ext cx="4506170" cy="461665"/>
+            <a:off x="4305300" y="1161899"/>
+            <a:ext cx="4648308" cy="1760560"/>
           </a:xfrm>
           <a:prstGeom prst="rect">
             <a:avLst/>
           </a:prstGeom>
           <a:noFill/>
+          <a:ln>
+            <a:noFill/>
+          </a:ln>
+          <a:extLst>
+            <a:ext uri="{909E8E84-426E-40DD-AFC4-6F175D3DCCD1}">
+              <a14:hiddenFill xmlns:a14="http://schemas.microsoft.com/office/drawing/2010/main">
+                <a:solidFill>
+                  <a:schemeClr val="accent1"/>
+                </a:solidFill>
+              </a14:hiddenFill>
+            </a:ext>
+            <a:ext uri="{91240B29-F687-4F45-9708-019B960494DF}">
+              <a14:hiddenLine xmlns:a14="http://schemas.microsoft.com/office/drawing/2010/main" w="9525">
+                <a:solidFill>
+                  <a:schemeClr val="tx1"/>
+                </a:solidFill>
+                <a:miter lim="800000"/>
+                <a:headEnd/>
+                <a:tailEnd/>
+              </a14:hiddenLine>
+            </a:ext>
+          </a:extLst>
         </p:spPr>
-        <p:txBody>
-          <a:bodyPr wrap="none" rtlCol="0">
-            <a:spAutoFit/>
-          </a:bodyPr>
-          <a:lstStyle/>
-          <a:p>
-            <a:r>
-              <a:rPr lang="nl-NL" dirty="0" smtClean="0"/>
-              <a:t>Resultaat – Eisen – </a:t>
-            </a:r>
-            <a:r>
-              <a:rPr lang="nl-NL" b="1" dirty="0" smtClean="0"/>
-              <a:t>UML</a:t>
-            </a:r>
-            <a:r>
-              <a:rPr lang="nl-NL" dirty="0" smtClean="0"/>
-              <a:t> - View</a:t>
-            </a:r>
-            <a:endParaRPr lang="nl-NL" dirty="0"/>
-          </a:p>
-        </p:txBody>
-      </p:sp>
+      </p:pic>
       <p:pic>
         <p:nvPicPr>
-          <p:cNvPr id="1026" name="Picture 2"/>
+          <p:cNvPr id="4" name="Picture 2"/>
           <p:cNvPicPr>
             <a:picLocks noChangeAspect="1" noChangeArrowheads="1"/>
           </p:cNvPicPr>
@@ -9027,8 +6403,8 @@
         </p:blipFill>
         <p:spPr bwMode="auto">
           <a:xfrm>
-            <a:off x="1117766" y="3603292"/>
-            <a:ext cx="5836663" cy="2210653"/>
+            <a:off x="628933" y="3025719"/>
+            <a:ext cx="4598159" cy="3035065"/>
           </a:xfrm>
           <a:prstGeom prst="rect">
             <a:avLst/>
@@ -9109,7 +6485,7 @@
               <a:rPr lang="nl-NL" dirty="0" smtClean="0">
                 <a:latin typeface="+mn-lt"/>
               </a:rPr>
-              <a:t>UML &gt; Data Opslagmethode</a:t>
+              <a:t>Print </a:t>
             </a:r>
             <a:endParaRPr lang="nl-NL" dirty="0">
               <a:latin typeface="+mn-lt"/>
@@ -9117,78 +6493,54 @@
           </a:p>
         </p:txBody>
       </p:sp>
+      <p:sp>
+        <p:nvSpPr>
+          <p:cNvPr id="3" name="Tijdelijke aanduiding voor inhoud 2"/>
+          <p:cNvSpPr>
+            <a:spLocks noGrp="1"/>
+          </p:cNvSpPr>
+          <p:nvPr>
+            <p:ph idx="1"/>
+          </p:nvPr>
+        </p:nvSpPr>
+        <p:spPr/>
+        <p:txBody>
+          <a:bodyPr/>
+          <a:lstStyle/>
+          <a:p>
+            <a:r>
+              <a:rPr lang="nl-NL" dirty="0" smtClean="0"/>
+              <a:t>Functie in de View</a:t>
+            </a:r>
+            <a:endParaRPr lang="nl-NL" dirty="0" smtClean="0"/>
+          </a:p>
+          <a:p>
+            <a:endParaRPr lang="nl-NL" dirty="0" smtClean="0"/>
+          </a:p>
+          <a:p>
+            <a:endParaRPr lang="nl-NL" dirty="0" smtClean="0"/>
+          </a:p>
+          <a:p>
+            <a:pPr>
+              <a:buNone/>
+            </a:pPr>
+            <a:endParaRPr lang="nl-NL" dirty="0" smtClean="0"/>
+          </a:p>
+          <a:p>
+            <a:endParaRPr lang="nl-NL" dirty="0"/>
+          </a:p>
+        </p:txBody>
+      </p:sp>
       <p:pic>
         <p:nvPicPr>
-          <p:cNvPr id="8" name="Afbeelding 7" descr="applicationIcon-128x128.png"/>
-          <p:cNvPicPr>
-            <a:picLocks noChangeAspect="1"/>
-          </p:cNvPicPr>
-          <p:nvPr/>
-        </p:nvPicPr>
-        <p:blipFill>
-          <a:blip r:embed="rId2" cstate="print"/>
-          <a:stretch>
-            <a:fillRect/>
-          </a:stretch>
-        </p:blipFill>
-        <p:spPr>
-          <a:xfrm>
-            <a:off x="8128000" y="215900"/>
-            <a:ext cx="800100" cy="800100"/>
-          </a:xfrm>
-          <a:prstGeom prst="rect">
-            <a:avLst/>
-          </a:prstGeom>
-        </p:spPr>
-      </p:pic>
-      <p:sp>
-        <p:nvSpPr>
-          <p:cNvPr id="5" name="Tekstvak 4"/>
-          <p:cNvSpPr txBox="1"/>
-          <p:nvPr/>
-        </p:nvSpPr>
-        <p:spPr>
-          <a:xfrm>
-            <a:off x="2052215" y="6169966"/>
-            <a:ext cx="4506170" cy="461665"/>
-          </a:xfrm>
-          <a:prstGeom prst="rect">
-            <a:avLst/>
-          </a:prstGeom>
-          <a:noFill/>
-        </p:spPr>
-        <p:txBody>
-          <a:bodyPr wrap="none" rtlCol="0">
-            <a:spAutoFit/>
-          </a:bodyPr>
-          <a:lstStyle/>
-          <a:p>
-            <a:r>
-              <a:rPr lang="nl-NL" dirty="0" smtClean="0"/>
-              <a:t>Resultaat – Eisen – </a:t>
-            </a:r>
-            <a:r>
-              <a:rPr lang="nl-NL" b="1" dirty="0" smtClean="0"/>
-              <a:t>UML</a:t>
-            </a:r>
-            <a:r>
-              <a:rPr lang="nl-NL" dirty="0" smtClean="0"/>
-              <a:t> - View</a:t>
-            </a:r>
-            <a:endParaRPr lang="nl-NL" dirty="0"/>
-          </a:p>
-        </p:txBody>
-      </p:sp>
-      <p:pic>
-        <p:nvPicPr>
-          <p:cNvPr id="11266" name="Picture 2"/>
+          <p:cNvPr id="5122" name="Picture 2"/>
           <p:cNvPicPr>
             <a:picLocks noChangeAspect="1" noChangeArrowheads="1"/>
           </p:cNvPicPr>
           <p:nvPr/>
         </p:nvPicPr>
         <p:blipFill>
-          <a:blip r:embed="rId3">
+          <a:blip r:embed="rId2">
             <a:extLst>
               <a:ext uri="{28A0092B-C50C-407E-A947-70E740481C1C}">
                 <a14:useLocalDpi xmlns:a14="http://schemas.microsoft.com/office/drawing/2010/main" val="0"/>
@@ -9202,8 +6554,8 @@
         </p:blipFill>
         <p:spPr bwMode="auto">
           <a:xfrm>
-            <a:off x="1576387" y="1016000"/>
-            <a:ext cx="5991225" cy="5038725"/>
+            <a:off x="202676" y="3643024"/>
+            <a:ext cx="7221706" cy="2432575"/>
           </a:xfrm>
           <a:prstGeom prst="rect">
             <a:avLst/>
@@ -9231,6 +6583,36 @@
               </a14:hiddenLine>
             </a:ext>
           </a:extLst>
+        </p:spPr>
+      </p:pic>
+      <p:pic>
+        <p:nvPicPr>
+          <p:cNvPr id="5" name="Afbeelding 4"/>
+          <p:cNvPicPr>
+            <a:picLocks noChangeAspect="1"/>
+          </p:cNvPicPr>
+          <p:nvPr/>
+        </p:nvPicPr>
+        <p:blipFill>
+          <a:blip r:embed="rId3">
+            <a:extLst>
+              <a:ext uri="{28A0092B-C50C-407E-A947-70E740481C1C}">
+                <a14:useLocalDpi xmlns:a14="http://schemas.microsoft.com/office/drawing/2010/main" val="0"/>
+              </a:ext>
+            </a:extLst>
+          </a:blip>
+          <a:stretch>
+            <a:fillRect/>
+          </a:stretch>
+        </p:blipFill>
+        <p:spPr>
+          <a:xfrm>
+            <a:off x="4919686" y="177034"/>
+            <a:ext cx="3972162" cy="3465990"/>
+          </a:xfrm>
+          <a:prstGeom prst="rect">
+            <a:avLst/>
+          </a:prstGeom>
         </p:spPr>
       </p:pic>
     </p:spTree>
@@ -9284,7 +6666,7 @@
               <a:rPr lang="nl-NL" dirty="0" smtClean="0">
                 <a:latin typeface="+mn-lt"/>
               </a:rPr>
-              <a:t>Data Opslagmethode</a:t>
+              <a:t>Oeps…</a:t>
             </a:r>
             <a:endParaRPr lang="nl-NL" dirty="0">
               <a:latin typeface="+mn-lt"/>
@@ -9307,21 +6689,12 @@
           <a:bodyPr/>
           <a:lstStyle/>
           <a:p>
-            <a:endParaRPr lang="nl-NL" dirty="0"/>
-          </a:p>
-          <a:p>
+            <a:pPr marL="0" indent="0" algn="ctr">
+              <a:buNone/>
+            </a:pPr>
             <a:r>
               <a:rPr lang="nl-NL" dirty="0" smtClean="0"/>
-              <a:t>Sheet</a:t>
-            </a:r>
-          </a:p>
-          <a:p>
-            <a:endParaRPr lang="nl-NL" dirty="0" smtClean="0"/>
-          </a:p>
-          <a:p>
-            <a:r>
-              <a:rPr lang="nl-NL" dirty="0" err="1" smtClean="0"/>
-              <a:t>Cell</a:t>
+              <a:t>Vergeet niet om op te slaan!</a:t>
             </a:r>
             <a:endParaRPr lang="nl-NL" dirty="0"/>
           </a:p>
@@ -9329,76 +6702,14 @@
       </p:sp>
       <p:pic>
         <p:nvPicPr>
-          <p:cNvPr id="8" name="Afbeelding 7" descr="applicationIcon-128x128.png"/>
-          <p:cNvPicPr>
-            <a:picLocks noChangeAspect="1"/>
-          </p:cNvPicPr>
-          <p:nvPr/>
-        </p:nvPicPr>
-        <p:blipFill>
-          <a:blip r:embed="rId2" cstate="print"/>
-          <a:stretch>
-            <a:fillRect/>
-          </a:stretch>
-        </p:blipFill>
-        <p:spPr>
-          <a:xfrm>
-            <a:off x="8128000" y="215900"/>
-            <a:ext cx="800100" cy="800100"/>
-          </a:xfrm>
-          <a:prstGeom prst="rect">
-            <a:avLst/>
-          </a:prstGeom>
-        </p:spPr>
-      </p:pic>
-      <p:sp>
-        <p:nvSpPr>
-          <p:cNvPr id="7" name="Tekstvak 6"/>
-          <p:cNvSpPr txBox="1"/>
-          <p:nvPr/>
-        </p:nvSpPr>
-        <p:spPr>
-          <a:xfrm>
-            <a:off x="2052215" y="6169966"/>
-            <a:ext cx="4506170" cy="461665"/>
-          </a:xfrm>
-          <a:prstGeom prst="rect">
-            <a:avLst/>
-          </a:prstGeom>
-          <a:noFill/>
-        </p:spPr>
-        <p:txBody>
-          <a:bodyPr wrap="none" rtlCol="0">
-            <a:spAutoFit/>
-          </a:bodyPr>
-          <a:lstStyle/>
-          <a:p>
-            <a:r>
-              <a:rPr lang="nl-NL" dirty="0" smtClean="0"/>
-              <a:t>Resultaat – Eisen – </a:t>
-            </a:r>
-            <a:r>
-              <a:rPr lang="nl-NL" b="1" dirty="0" smtClean="0"/>
-              <a:t>UML</a:t>
-            </a:r>
-            <a:r>
-              <a:rPr lang="nl-NL" dirty="0" smtClean="0"/>
-              <a:t> - View</a:t>
-            </a:r>
-            <a:endParaRPr lang="nl-NL" dirty="0"/>
-          </a:p>
-        </p:txBody>
-      </p:sp>
-      <p:pic>
-        <p:nvPicPr>
-          <p:cNvPr id="2050" name="Picture 2"/>
+          <p:cNvPr id="3074" name="Picture 2"/>
           <p:cNvPicPr>
             <a:picLocks noChangeAspect="1" noChangeArrowheads="1"/>
           </p:cNvPicPr>
           <p:nvPr/>
         </p:nvPicPr>
         <p:blipFill>
-          <a:blip r:embed="rId3">
+          <a:blip r:embed="rId2">
             <a:extLst>
               <a:ext uri="{28A0092B-C50C-407E-A947-70E740481C1C}">
                 <a14:useLocalDpi xmlns:a14="http://schemas.microsoft.com/office/drawing/2010/main" val="0"/>
@@ -9412,8 +6723,8 @@
         </p:blipFill>
         <p:spPr bwMode="auto">
           <a:xfrm>
-            <a:off x="3714940" y="1016000"/>
-            <a:ext cx="4282648" cy="5203218"/>
+            <a:off x="1735646" y="2257136"/>
+            <a:ext cx="5767103" cy="3803647"/>
           </a:xfrm>
           <a:prstGeom prst="rect">
             <a:avLst/>
@@ -9444,6 +6755,11 @@
         </p:spPr>
       </p:pic>
     </p:spTree>
+    <p:extLst>
+      <p:ext uri="{BB962C8B-B14F-4D97-AF65-F5344CB8AC3E}">
+        <p14:creationId xmlns:p14="http://schemas.microsoft.com/office/powerpoint/2010/main" val="4266581296"/>
+      </p:ext>
+    </p:extLst>
   </p:cSld>
   <p:clrMapOvr>
     <a:masterClrMapping/>

--- a/Documents/OOP project presentatie.pptx
+++ b/Documents/OOP project presentatie.pptx
@@ -5,10 +5,10 @@
     <p:sldMasterId id="2147483649" r:id="rId1"/>
   </p:sldMasterIdLst>
   <p:notesMasterIdLst>
-    <p:notesMasterId r:id="rId13"/>
+    <p:notesMasterId r:id="rId14"/>
   </p:notesMasterIdLst>
   <p:handoutMasterIdLst>
-    <p:handoutMasterId r:id="rId14"/>
+    <p:handoutMasterId r:id="rId15"/>
   </p:handoutMasterIdLst>
   <p:sldIdLst>
     <p:sldId id="377" r:id="rId2"/>
@@ -20,8 +20,9 @@
     <p:sldId id="385" r:id="rId8"/>
     <p:sldId id="391" r:id="rId9"/>
     <p:sldId id="401" r:id="rId10"/>
-    <p:sldId id="404" r:id="rId11"/>
-    <p:sldId id="394" r:id="rId12"/>
+    <p:sldId id="405" r:id="rId11"/>
+    <p:sldId id="404" r:id="rId12"/>
+    <p:sldId id="394" r:id="rId13"/>
   </p:sldIdLst>
   <p:sldSz cx="9144000" cy="6858000" type="screen4x3"/>
   <p:notesSz cx="6794500" cy="9931400"/>
@@ -4857,11 +4858,7 @@
             <a:pPr algn="l"/>
             <a:r>
               <a:rPr lang="nl-NL" sz="1800" dirty="0" smtClean="0"/>
-              <a:t>Roy </a:t>
-            </a:r>
-            <a:r>
-              <a:rPr lang="nl-NL" sz="1800" dirty="0" smtClean="0"/>
-              <a:t>Klip</a:t>
+              <a:t>Roy Klip</a:t>
             </a:r>
           </a:p>
           <a:p>
@@ -5019,6 +5016,142 @@
               <a:rPr lang="nl-NL" dirty="0" smtClean="0">
                 <a:latin typeface="+mn-lt"/>
               </a:rPr>
+              <a:t>Code </a:t>
+            </a:r>
+            <a:r>
+              <a:rPr lang="nl-NL" dirty="0" err="1" smtClean="0">
+                <a:latin typeface="+mn-lt"/>
+              </a:rPr>
+              <a:t>Coverage</a:t>
+            </a:r>
+            <a:endParaRPr lang="nl-NL" dirty="0">
+              <a:latin typeface="+mn-lt"/>
+            </a:endParaRPr>
+          </a:p>
+        </p:txBody>
+      </p:sp>
+      <p:sp>
+        <p:nvSpPr>
+          <p:cNvPr id="3" name="Tijdelijke aanduiding voor inhoud 2"/>
+          <p:cNvSpPr>
+            <a:spLocks noGrp="1"/>
+          </p:cNvSpPr>
+          <p:nvPr>
+            <p:ph idx="1"/>
+          </p:nvPr>
+        </p:nvSpPr>
+        <p:spPr/>
+        <p:txBody>
+          <a:bodyPr/>
+          <a:lstStyle/>
+          <a:p>
+            <a:r>
+              <a:rPr lang="nl-NL" dirty="0" smtClean="0"/>
+              <a:t>80% is bereikt</a:t>
+            </a:r>
+          </a:p>
+          <a:p>
+            <a:endParaRPr lang="nl-NL" dirty="0"/>
+          </a:p>
+          <a:p>
+            <a:r>
+              <a:rPr lang="nl-NL" dirty="0" smtClean="0"/>
+              <a:t>Geen controller en view</a:t>
+            </a:r>
+            <a:endParaRPr lang="nl-NL" dirty="0"/>
+          </a:p>
+        </p:txBody>
+      </p:sp>
+      <p:pic>
+        <p:nvPicPr>
+          <p:cNvPr id="1026" name="Picture 2" descr="https://lh4.googleusercontent.com/hsCukDoSUOKbifjksPl_Anil4hJPitwvKo-Yt3BpQ-cCoUpzYkvSEi69fj0PKZi6usM5U-oUa8sgN8KY9xnK2P96jtZsiADy2hNc4AHoGnLOKFBfBcnUxpZDWg"/>
+          <p:cNvPicPr>
+            <a:picLocks noChangeAspect="1" noChangeArrowheads="1"/>
+          </p:cNvPicPr>
+          <p:nvPr/>
+        </p:nvPicPr>
+        <p:blipFill>
+          <a:blip r:embed="rId2">
+            <a:extLst>
+              <a:ext uri="{28A0092B-C50C-407E-A947-70E740481C1C}">
+                <a14:useLocalDpi xmlns:a14="http://schemas.microsoft.com/office/drawing/2010/main" val="0"/>
+              </a:ext>
+            </a:extLst>
+          </a:blip>
+          <a:srcRect/>
+          <a:stretch>
+            <a:fillRect/>
+          </a:stretch>
+        </p:blipFill>
+        <p:spPr bwMode="auto">
+          <a:xfrm>
+            <a:off x="4263552" y="491319"/>
+            <a:ext cx="4291978" cy="5697618"/>
+          </a:xfrm>
+          <a:prstGeom prst="rect">
+            <a:avLst/>
+          </a:prstGeom>
+          <a:noFill/>
+          <a:extLst>
+            <a:ext uri="{909E8E84-426E-40DD-AFC4-6F175D3DCCD1}">
+              <a14:hiddenFill xmlns:a14="http://schemas.microsoft.com/office/drawing/2010/main">
+                <a:solidFill>
+                  <a:srgbClr val="FFFFFF"/>
+                </a:solidFill>
+              </a14:hiddenFill>
+            </a:ext>
+          </a:extLst>
+        </p:spPr>
+      </p:pic>
+    </p:spTree>
+    <p:extLst>
+      <p:ext uri="{BB962C8B-B14F-4D97-AF65-F5344CB8AC3E}">
+        <p14:creationId xmlns:p14="http://schemas.microsoft.com/office/powerpoint/2010/main" val="1507290860"/>
+      </p:ext>
+    </p:extLst>
+  </p:cSld>
+  <p:clrMapOvr>
+    <a:masterClrMapping/>
+  </p:clrMapOvr>
+</p:sld>
+</file>
+
+<file path=ppt/slides/slide11.xml><?xml version="1.0" encoding="utf-8"?>
+<p:sld xmlns:a="http://schemas.openxmlformats.org/drawingml/2006/main" xmlns:r="http://schemas.openxmlformats.org/officeDocument/2006/relationships" xmlns:p="http://schemas.openxmlformats.org/presentationml/2006/main">
+  <p:cSld>
+    <p:spTree>
+      <p:nvGrpSpPr>
+        <p:cNvPr id="1" name=""/>
+        <p:cNvGrpSpPr/>
+        <p:nvPr/>
+      </p:nvGrpSpPr>
+      <p:grpSpPr>
+        <a:xfrm>
+          <a:off x="0" y="0"/>
+          <a:ext cx="0" cy="0"/>
+          <a:chOff x="0" y="0"/>
+          <a:chExt cx="0" cy="0"/>
+        </a:xfrm>
+      </p:grpSpPr>
+      <p:sp>
+        <p:nvSpPr>
+          <p:cNvPr id="2" name="Titel 1"/>
+          <p:cNvSpPr>
+            <a:spLocks noGrp="1"/>
+          </p:cNvSpPr>
+          <p:nvPr>
+            <p:ph type="title"/>
+          </p:nvPr>
+        </p:nvSpPr>
+        <p:spPr/>
+        <p:txBody>
+          <a:bodyPr/>
+          <a:lstStyle/>
+          <a:p>
+            <a:r>
+              <a:rPr lang="nl-NL" dirty="0" smtClean="0">
+                <a:latin typeface="+mn-lt"/>
+              </a:rPr>
               <a:t>Eisen van het programma</a:t>
             </a:r>
             <a:endParaRPr lang="nl-NL" dirty="0">
@@ -5106,7 +5239,7 @@
 </p:sld>
 </file>
 
-<file path=ppt/slides/slide11.xml><?xml version="1.0" encoding="utf-8"?>
+<file path=ppt/slides/slide12.xml><?xml version="1.0" encoding="utf-8"?>
 <p:sld xmlns:a="http://schemas.openxmlformats.org/drawingml/2006/main" xmlns:r="http://schemas.openxmlformats.org/officeDocument/2006/relationships" xmlns:p="http://schemas.openxmlformats.org/presentationml/2006/main">
   <p:cSld>
     <p:spTree>
@@ -5300,11 +5433,7 @@
             <a:pPr algn="l"/>
             <a:r>
               <a:rPr lang="nl-NL" sz="1800" dirty="0" smtClean="0"/>
-              <a:t>Roy </a:t>
-            </a:r>
-            <a:r>
-              <a:rPr lang="nl-NL" sz="1800" dirty="0" smtClean="0"/>
-              <a:t>Klip</a:t>
+              <a:t>Roy Klip</a:t>
             </a:r>
           </a:p>
           <a:p>
@@ -5530,8 +5659,30 @@
           <a:p>
             <a:r>
               <a:rPr lang="nl-NL" dirty="0" smtClean="0"/>
-              <a:t>Grafische User Interface</a:t>
-            </a:r>
+              <a:t>Grafische User </a:t>
+            </a:r>
+            <a:r>
+              <a:rPr lang="nl-NL" dirty="0" smtClean="0"/>
+              <a:t>Interface</a:t>
+            </a:r>
+          </a:p>
+          <a:p>
+            <a:endParaRPr lang="nl-NL" dirty="0"/>
+          </a:p>
+          <a:p>
+            <a:r>
+              <a:rPr lang="nl-NL" dirty="0" smtClean="0"/>
+              <a:t>Code </a:t>
+            </a:r>
+            <a:r>
+              <a:rPr lang="nl-NL" dirty="0" err="1" smtClean="0"/>
+              <a:t>Coverage</a:t>
+            </a:r>
+            <a:r>
+              <a:rPr lang="nl-NL" dirty="0" smtClean="0"/>
+              <a:t> van minstens 80%</a:t>
+            </a:r>
+            <a:endParaRPr lang="nl-NL" dirty="0" smtClean="0"/>
           </a:p>
         </p:txBody>
       </p:sp>
@@ -5723,13 +5874,7 @@
               <a:rPr lang="nl-NL" dirty="0" smtClean="0">
                 <a:latin typeface="+mn-lt"/>
               </a:rPr>
-              <a:t>Cijfers</a:t>
-            </a:r>
-            <a:r>
-              <a:rPr lang="nl-NL" dirty="0" smtClean="0">
-                <a:latin typeface="+mn-lt"/>
-              </a:rPr>
-              <a:t> </a:t>
+              <a:t>Cijfers </a:t>
             </a:r>
             <a:endParaRPr lang="nl-NL" dirty="0">
               <a:latin typeface="+mn-lt"/>
@@ -5998,6 +6143,13 @@
   <p:clrMapOvr>
     <a:masterClrMapping/>
   </p:clrMapOvr>
+  <p:timing>
+    <p:tnLst>
+      <p:par>
+        <p:cTn id="1" dur="indefinite" restart="never" nodeType="tmRoot"/>
+      </p:par>
+    </p:tnLst>
+  </p:timing>
 </p:sld>
 </file>
 
@@ -6512,7 +6664,6 @@
               <a:rPr lang="nl-NL" dirty="0" smtClean="0"/>
               <a:t>Functie in de View</a:t>
             </a:r>
-            <a:endParaRPr lang="nl-NL" dirty="0" smtClean="0"/>
           </a:p>
           <a:p>
             <a:endParaRPr lang="nl-NL" dirty="0" smtClean="0"/>
